--- a/這是聖潔之地（崇拜版）.pptx
+++ b/這是聖潔之地（崇拜版）.pptx
@@ -5,9 +5,13 @@
     <p:sldMasterId id="2147483660" r:id="rId1"/>
   </p:sldMasterIdLst>
   <p:sldIdLst>
-    <p:sldId id="257" r:id="rId2"/>
-    <p:sldId id="258" r:id="rId3"/>
-    <p:sldId id="259" r:id="rId4"/>
+    <p:sldId id="260" r:id="rId2"/>
+    <p:sldId id="261" r:id="rId3"/>
+    <p:sldId id="262" r:id="rId4"/>
+    <p:sldId id="263" r:id="rId5"/>
+    <p:sldId id="264" r:id="rId6"/>
+    <p:sldId id="265" r:id="rId7"/>
+    <p:sldId id="266" r:id="rId8"/>
   </p:sldIdLst>
   <p:sldSz cx="12192000" cy="6858000"/>
   <p:notesSz cx="6858000" cy="9144000"/>
@@ -106,6 +110,11 @@
       </a:defRPr>
     </a:lvl9pPr>
   </p:defaultTextStyle>
+  <p:extLst>
+    <p:ext uri="{EFAFB233-063F-42B5-8137-9DF3F51BA10A}">
+      <p15:sldGuideLst xmlns:p15="http://schemas.microsoft.com/office/powerpoint/2012/main"/>
+    </p:ext>
+  </p:extLst>
 </p:presentation>
 </file>
 
@@ -290,7 +299,7 @@
           <a:p>
             <a:fld id="{2A4A4A0E-21BB-422D-85F8-C26611A041BF}" type="datetimeFigureOut">
               <a:rPr lang="vi-VN" smtClean="0"/>
-              <a:t>29/02/2020</a:t>
+              <a:t>08/05/2021</a:t>
             </a:fld>
             <a:endParaRPr lang="vi-VN"/>
           </a:p>
@@ -460,7 +469,7 @@
           <a:p>
             <a:fld id="{2A4A4A0E-21BB-422D-85F8-C26611A041BF}" type="datetimeFigureOut">
               <a:rPr lang="vi-VN" smtClean="0"/>
-              <a:t>29/02/2020</a:t>
+              <a:t>08/05/2021</a:t>
             </a:fld>
             <a:endParaRPr lang="vi-VN"/>
           </a:p>
@@ -640,7 +649,7 @@
           <a:p>
             <a:fld id="{2A4A4A0E-21BB-422D-85F8-C26611A041BF}" type="datetimeFigureOut">
               <a:rPr lang="vi-VN" smtClean="0"/>
-              <a:t>29/02/2020</a:t>
+              <a:t>08/05/2021</a:t>
             </a:fld>
             <a:endParaRPr lang="vi-VN"/>
           </a:p>
@@ -810,7 +819,7 @@
           <a:p>
             <a:fld id="{2A4A4A0E-21BB-422D-85F8-C26611A041BF}" type="datetimeFigureOut">
               <a:rPr lang="vi-VN" smtClean="0"/>
-              <a:t>29/02/2020</a:t>
+              <a:t>08/05/2021</a:t>
             </a:fld>
             <a:endParaRPr lang="vi-VN"/>
           </a:p>
@@ -1056,7 +1065,7 @@
           <a:p>
             <a:fld id="{2A4A4A0E-21BB-422D-85F8-C26611A041BF}" type="datetimeFigureOut">
               <a:rPr lang="vi-VN" smtClean="0"/>
-              <a:t>29/02/2020</a:t>
+              <a:t>08/05/2021</a:t>
             </a:fld>
             <a:endParaRPr lang="vi-VN"/>
           </a:p>
@@ -1344,7 +1353,7 @@
           <a:p>
             <a:fld id="{2A4A4A0E-21BB-422D-85F8-C26611A041BF}" type="datetimeFigureOut">
               <a:rPr lang="vi-VN" smtClean="0"/>
-              <a:t>29/02/2020</a:t>
+              <a:t>08/05/2021</a:t>
             </a:fld>
             <a:endParaRPr lang="vi-VN"/>
           </a:p>
@@ -1766,7 +1775,7 @@
           <a:p>
             <a:fld id="{2A4A4A0E-21BB-422D-85F8-C26611A041BF}" type="datetimeFigureOut">
               <a:rPr lang="vi-VN" smtClean="0"/>
-              <a:t>29/02/2020</a:t>
+              <a:t>08/05/2021</a:t>
             </a:fld>
             <a:endParaRPr lang="vi-VN"/>
           </a:p>
@@ -1884,7 +1893,7 @@
           <a:p>
             <a:fld id="{2A4A4A0E-21BB-422D-85F8-C26611A041BF}" type="datetimeFigureOut">
               <a:rPr lang="vi-VN" smtClean="0"/>
-              <a:t>29/02/2020</a:t>
+              <a:t>08/05/2021</a:t>
             </a:fld>
             <a:endParaRPr lang="vi-VN"/>
           </a:p>
@@ -1979,7 +1988,7 @@
           <a:p>
             <a:fld id="{2A4A4A0E-21BB-422D-85F8-C26611A041BF}" type="datetimeFigureOut">
               <a:rPr lang="vi-VN" smtClean="0"/>
-              <a:t>29/02/2020</a:t>
+              <a:t>08/05/2021</a:t>
             </a:fld>
             <a:endParaRPr lang="vi-VN"/>
           </a:p>
@@ -2256,7 +2265,7 @@
           <a:p>
             <a:fld id="{2A4A4A0E-21BB-422D-85F8-C26611A041BF}" type="datetimeFigureOut">
               <a:rPr lang="vi-VN" smtClean="0"/>
-              <a:t>29/02/2020</a:t>
+              <a:t>08/05/2021</a:t>
             </a:fld>
             <a:endParaRPr lang="vi-VN"/>
           </a:p>
@@ -2513,7 +2522,7 @@
           <a:p>
             <a:fld id="{2A4A4A0E-21BB-422D-85F8-C26611A041BF}" type="datetimeFigureOut">
               <a:rPr lang="vi-VN" smtClean="0"/>
-              <a:t>29/02/2020</a:t>
+              <a:t>08/05/2021</a:t>
             </a:fld>
             <a:endParaRPr lang="vi-VN"/>
           </a:p>
@@ -2731,7 +2740,7 @@
           <a:p>
             <a:fld id="{2A4A4A0E-21BB-422D-85F8-C26611A041BF}" type="datetimeFigureOut">
               <a:rPr lang="vi-VN" smtClean="0"/>
-              <a:t>29/02/2020</a:t>
+              <a:t>08/05/2021</a:t>
             </a:fld>
             <a:endParaRPr lang="vi-VN"/>
           </a:p>
@@ -3108,7 +3117,7 @@
       </p:grpSpPr>
       <p:sp>
         <p:nvSpPr>
-          <p:cNvPr id="2" name="Title 1"/>
+          <p:cNvPr id="4" name="標題 3"/>
           <p:cNvSpPr>
             <a:spLocks noGrp="1"/>
           </p:cNvSpPr>
@@ -3116,195 +3125,59 @@
             <p:ph type="title"/>
           </p:nvPr>
         </p:nvSpPr>
-        <p:spPr/>
+        <p:spPr>
+          <a:xfrm>
+            <a:off x="0" y="2660915"/>
+            <a:ext cx="12192000" cy="1143000"/>
+          </a:xfrm>
+        </p:spPr>
         <p:txBody>
           <a:bodyPr>
-            <a:normAutofit/>
+            <a:noAutofit/>
           </a:bodyPr>
           <a:lstStyle/>
           <a:p>
             <a:r>
-              <a:rPr lang="zh-TW" altLang="en-US" sz="4800" b="1" dirty="0">
-                <a:latin typeface="Microsoft JhengHei" panose="020B0604030504040204" pitchFamily="34" charset="-120"/>
-                <a:ea typeface="Microsoft JhengHei" panose="020B0604030504040204" pitchFamily="34" charset="-120"/>
-              </a:rPr>
-              <a:t>這是聖潔之地</a:t>
-            </a:r>
-            <a:endParaRPr lang="vi-VN" sz="4800" b="1" dirty="0">
-              <a:ea typeface="Microsoft JhengHei" panose="020B0604030504040204" pitchFamily="34" charset="-120"/>
-            </a:endParaRPr>
-          </a:p>
-        </p:txBody>
-      </p:sp>
-      <p:sp>
-        <p:nvSpPr>
-          <p:cNvPr id="3" name="Content Placeholder 2"/>
-          <p:cNvSpPr>
-            <a:spLocks noGrp="1"/>
-          </p:cNvSpPr>
-          <p:nvPr>
-            <p:ph idx="1"/>
-          </p:nvPr>
-        </p:nvSpPr>
-        <p:spPr/>
-        <p:txBody>
-          <a:bodyPr>
-            <a:normAutofit/>
-          </a:bodyPr>
-          <a:lstStyle/>
-          <a:p>
-            <a:pPr marL="0" indent="0" algn="ctr">
-              <a:buNone/>
-            </a:pPr>
-            <a:r>
-              <a:rPr lang="zh-TW" altLang="en-US" sz="5400" b="1" dirty="0">
-                <a:latin typeface="Microsoft JhengHei" panose="020B0604030504040204" pitchFamily="34" charset="-120"/>
-                <a:ea typeface="Microsoft JhengHei" panose="020B0604030504040204" pitchFamily="34" charset="-120"/>
-              </a:rPr>
-              <a:t>這是聖潔之</a:t>
-            </a:r>
-            <a:r>
-              <a:rPr lang="zh-TW" altLang="en-US" sz="5400" b="1" dirty="0" smtClean="0">
-                <a:latin typeface="Microsoft JhengHei" panose="020B0604030504040204" pitchFamily="34" charset="-120"/>
-                <a:ea typeface="Microsoft JhengHei" panose="020B0604030504040204" pitchFamily="34" charset="-120"/>
-              </a:rPr>
-              <a:t>地  神</a:t>
-            </a:r>
-            <a:r>
-              <a:rPr lang="zh-TW" altLang="en-US" sz="5400" b="1" dirty="0">
-                <a:latin typeface="Microsoft JhengHei" panose="020B0604030504040204" pitchFamily="34" charset="-120"/>
-                <a:ea typeface="Microsoft JhengHei" panose="020B0604030504040204" pitchFamily="34" charset="-120"/>
-              </a:rPr>
-              <a:t>在這</a:t>
-            </a:r>
-            <a:r>
-              <a:rPr lang="zh-TW" altLang="en-US" sz="5400" b="1" dirty="0" smtClean="0">
-                <a:latin typeface="Microsoft JhengHei" panose="020B0604030504040204" pitchFamily="34" charset="-120"/>
-                <a:ea typeface="Microsoft JhengHei" panose="020B0604030504040204" pitchFamily="34" charset="-120"/>
-              </a:rPr>
-              <a:t>裡</a:t>
-            </a:r>
-            <a:endParaRPr lang="en-US" altLang="zh-TW" sz="5400" b="1" dirty="0" smtClean="0">
-              <a:latin typeface="Microsoft JhengHei" panose="020B0604030504040204" pitchFamily="34" charset="-120"/>
-              <a:ea typeface="Microsoft JhengHei" panose="020B0604030504040204" pitchFamily="34" charset="-120"/>
-            </a:endParaRPr>
-          </a:p>
-          <a:p>
-            <a:pPr marL="0" indent="0" algn="ctr">
-              <a:buNone/>
-            </a:pPr>
-            <a:r>
-              <a:rPr lang="zh-TW" altLang="en-US" sz="5400" b="1" dirty="0" smtClean="0">
-                <a:latin typeface="Microsoft JhengHei" panose="020B0604030504040204" pitchFamily="34" charset="-120"/>
-                <a:ea typeface="Microsoft JhengHei" panose="020B0604030504040204" pitchFamily="34" charset="-120"/>
-              </a:rPr>
-              <a:t>前</a:t>
-            </a:r>
-            <a:r>
-              <a:rPr lang="zh-TW" altLang="en-US" sz="5400" b="1" dirty="0">
-                <a:latin typeface="Microsoft JhengHei" panose="020B0604030504040204" pitchFamily="34" charset="-120"/>
-                <a:ea typeface="Microsoft JhengHei" panose="020B0604030504040204" pitchFamily="34" charset="-120"/>
-              </a:rPr>
-              <a:t>來獻上最深的敬</a:t>
-            </a:r>
-            <a:r>
-              <a:rPr lang="zh-TW" altLang="en-US" sz="5400" b="1" dirty="0" smtClean="0">
-                <a:latin typeface="Microsoft JhengHei" panose="020B0604030504040204" pitchFamily="34" charset="-120"/>
-                <a:ea typeface="Microsoft JhengHei" panose="020B0604030504040204" pitchFamily="34" charset="-120"/>
-              </a:rPr>
-              <a:t>拜</a:t>
-            </a:r>
-            <a:endParaRPr lang="en-US" altLang="zh-TW" sz="5400" b="1" dirty="0">
-              <a:latin typeface="Microsoft JhengHei" panose="020B0604030504040204" pitchFamily="34" charset="-120"/>
-              <a:ea typeface="Microsoft JhengHei" panose="020B0604030504040204" pitchFamily="34" charset="-120"/>
-            </a:endParaRPr>
-          </a:p>
-          <a:p>
-            <a:pPr marL="0" indent="0" algn="ctr">
-              <a:buNone/>
-            </a:pPr>
-            <a:r>
-              <a:rPr lang="zh-TW" altLang="en-US" sz="5400" b="1" dirty="0" smtClean="0">
-                <a:latin typeface="Microsoft JhengHei" panose="020B0604030504040204" pitchFamily="34" charset="-120"/>
-                <a:ea typeface="Microsoft JhengHei" panose="020B0604030504040204" pitchFamily="34" charset="-120"/>
+              <a:rPr lang="zh-TW" altLang="en-US" sz="7200" b="1" i="1" dirty="0">
+                <a:solidFill>
+                  <a:srgbClr val="660033"/>
+                </a:solidFill>
+                <a:effectLst>
+                  <a:outerShdw blurRad="38100" dist="38100" dir="2700000" algn="tl">
+                    <a:srgbClr val="000000">
+                      <a:alpha val="43137"/>
+                    </a:srgbClr>
+                  </a:outerShdw>
+                </a:effectLst>
+                <a:latin typeface="微軟正黑體" pitchFamily="34" charset="-120"/>
+                <a:ea typeface="微軟正黑體" pitchFamily="34" charset="-120"/>
               </a:rPr>
               <a:t>這</a:t>
             </a:r>
             <a:r>
-              <a:rPr lang="zh-TW" altLang="en-US" sz="5400" b="1" dirty="0">
-                <a:latin typeface="Microsoft JhengHei" panose="020B0604030504040204" pitchFamily="34" charset="-120"/>
-                <a:ea typeface="Microsoft JhengHei" panose="020B0604030504040204" pitchFamily="34" charset="-120"/>
+              <a:rPr lang="zh-TW" altLang="en-US" sz="7200" b="1" i="1" dirty="0">
+                <a:solidFill>
+                  <a:srgbClr val="660033"/>
+                </a:solidFill>
+                <a:effectLst>
+                  <a:outerShdw blurRad="38100" dist="38100" dir="2700000" algn="tl">
+                    <a:srgbClr val="000000">
+                      <a:alpha val="43137"/>
+                    </a:srgbClr>
+                  </a:outerShdw>
+                </a:effectLst>
+                <a:latin typeface="微軟正黑體" pitchFamily="34" charset="-120"/>
+                <a:ea typeface="微軟正黑體" pitchFamily="34" charset="-120"/>
               </a:rPr>
-              <a:t>是聖潔之</a:t>
-            </a:r>
-            <a:r>
-              <a:rPr lang="zh-TW" altLang="en-US" sz="5400" b="1" dirty="0" smtClean="0">
-                <a:latin typeface="Microsoft JhengHei" panose="020B0604030504040204" pitchFamily="34" charset="-120"/>
-                <a:ea typeface="Microsoft JhengHei" panose="020B0604030504040204" pitchFamily="34" charset="-120"/>
-              </a:rPr>
-              <a:t>地  神</a:t>
-            </a:r>
-            <a:r>
-              <a:rPr lang="zh-TW" altLang="en-US" sz="5400" b="1" dirty="0">
-                <a:latin typeface="Microsoft JhengHei" panose="020B0604030504040204" pitchFamily="34" charset="-120"/>
-                <a:ea typeface="Microsoft JhengHei" panose="020B0604030504040204" pitchFamily="34" charset="-120"/>
-              </a:rPr>
-              <a:t>在這</a:t>
-            </a:r>
-            <a:r>
-              <a:rPr lang="zh-TW" altLang="en-US" sz="5400" b="1" dirty="0" smtClean="0">
-                <a:latin typeface="Microsoft JhengHei" panose="020B0604030504040204" pitchFamily="34" charset="-120"/>
-                <a:ea typeface="Microsoft JhengHei" panose="020B0604030504040204" pitchFamily="34" charset="-120"/>
-              </a:rPr>
-              <a:t>裡</a:t>
-            </a:r>
-            <a:endParaRPr lang="en-US" altLang="zh-TW" sz="5400" b="1" dirty="0" smtClean="0">
-              <a:latin typeface="Microsoft JhengHei" panose="020B0604030504040204" pitchFamily="34" charset="-120"/>
-              <a:ea typeface="Microsoft JhengHei" panose="020B0604030504040204" pitchFamily="34" charset="-120"/>
-            </a:endParaRPr>
-          </a:p>
-          <a:p>
-            <a:pPr marL="0" indent="0" algn="ctr">
-              <a:buNone/>
-            </a:pPr>
-            <a:r>
-              <a:rPr lang="zh-TW" altLang="en-US" sz="5400" b="1" dirty="0" smtClean="0">
-                <a:latin typeface="Microsoft JhengHei" panose="020B0604030504040204" pitchFamily="34" charset="-120"/>
-                <a:ea typeface="Microsoft JhengHei" panose="020B0604030504040204" pitchFamily="34" charset="-120"/>
-              </a:rPr>
-              <a:t>設</a:t>
-            </a:r>
-            <a:r>
-              <a:rPr lang="zh-TW" altLang="en-US" sz="5400" b="1" dirty="0">
-                <a:latin typeface="Microsoft JhengHei" panose="020B0604030504040204" pitchFamily="34" charset="-120"/>
-                <a:ea typeface="Microsoft JhengHei" panose="020B0604030504040204" pitchFamily="34" charset="-120"/>
-              </a:rPr>
-              <a:t>立寶</a:t>
-            </a:r>
-            <a:r>
-              <a:rPr lang="zh-TW" altLang="en-US" sz="5400" b="1" dirty="0" smtClean="0">
-                <a:latin typeface="Microsoft JhengHei" panose="020B0604030504040204" pitchFamily="34" charset="-120"/>
-                <a:ea typeface="Microsoft JhengHei" panose="020B0604030504040204" pitchFamily="34" charset="-120"/>
-              </a:rPr>
-              <a:t>座  在</a:t>
-            </a:r>
-            <a:r>
-              <a:rPr lang="zh-TW" altLang="en-US" sz="5400" b="1" dirty="0">
-                <a:latin typeface="Microsoft JhengHei" panose="020B0604030504040204" pitchFamily="34" charset="-120"/>
-                <a:ea typeface="Microsoft JhengHei" panose="020B0604030504040204" pitchFamily="34" charset="-120"/>
-              </a:rPr>
-              <a:t>榮耀的敬拜裡</a:t>
-            </a:r>
-            <a:endParaRPr lang="vi-VN" sz="5400" b="1" dirty="0">
-              <a:ea typeface="Microsoft JhengHei" panose="020B0604030504040204" pitchFamily="34" charset="-120"/>
-            </a:endParaRPr>
+              <a:t>是聖潔之地</a:t>
+            </a:r>
           </a:p>
         </p:txBody>
       </p:sp>
     </p:spTree>
     <p:extLst>
       <p:ext uri="{BB962C8B-B14F-4D97-AF65-F5344CB8AC3E}">
-        <p14:creationId xmlns:p14="http://schemas.microsoft.com/office/powerpoint/2010/main" val="1975270253"/>
+        <p14:creationId xmlns:p14="http://schemas.microsoft.com/office/powerpoint/2010/main" val="2469912851"/>
       </p:ext>
     </p:extLst>
   </p:cSld>
@@ -3333,232 +3206,75 @@
       </p:grpSpPr>
       <p:sp>
         <p:nvSpPr>
-          <p:cNvPr id="2" name="Title 1"/>
-          <p:cNvSpPr>
-            <a:spLocks noGrp="1"/>
-          </p:cNvSpPr>
-          <p:nvPr>
-            <p:ph type="title"/>
-          </p:nvPr>
-        </p:nvSpPr>
-        <p:spPr/>
-        <p:txBody>
-          <a:bodyPr>
+          <p:cNvPr id="5" name="內容版面配置區 4"/>
+          <p:cNvSpPr>
+            <a:spLocks noGrp="1"/>
+          </p:cNvSpPr>
+          <p:nvPr>
+            <p:ph idx="1"/>
+          </p:nvPr>
+        </p:nvSpPr>
+        <p:spPr>
+          <a:xfrm>
+            <a:off x="0" y="2084851"/>
+            <a:ext cx="12192000" cy="2404863"/>
+          </a:xfrm>
+        </p:spPr>
+        <p:txBody>
+          <a:bodyPr anchor="ctr">
             <a:normAutofit/>
           </a:bodyPr>
           <a:lstStyle/>
           <a:p>
-            <a:r>
-              <a:rPr lang="zh-TW" altLang="en-US" sz="4800" b="1" dirty="0">
+            <a:pPr marL="0" indent="0" algn="ctr">
+              <a:buNone/>
+            </a:pPr>
+            <a:r>
+              <a:rPr lang="zh-TW" altLang="en-US" sz="6400" b="1" dirty="0">
+                <a:solidFill>
+                  <a:srgbClr val="660033"/>
+                </a:solidFill>
                 <a:latin typeface="Microsoft JhengHei" panose="020B0604030504040204" pitchFamily="34" charset="-120"/>
                 <a:ea typeface="Microsoft JhengHei" panose="020B0604030504040204" pitchFamily="34" charset="-120"/>
               </a:rPr>
-              <a:t>這是聖潔之地</a:t>
-            </a:r>
-            <a:endParaRPr lang="vi-VN" sz="4800" b="1" dirty="0">
+              <a:t>這是聖潔之地  神在這裡</a:t>
+            </a:r>
+            <a:endParaRPr lang="en-US" altLang="zh-TW" sz="6400" b="1" dirty="0">
+              <a:solidFill>
+                <a:srgbClr val="660033"/>
+              </a:solidFill>
+              <a:latin typeface="Microsoft JhengHei" panose="020B0604030504040204" pitchFamily="34" charset="-120"/>
               <a:ea typeface="Microsoft JhengHei" panose="020B0604030504040204" pitchFamily="34" charset="-120"/>
             </a:endParaRPr>
           </a:p>
-        </p:txBody>
-      </p:sp>
-      <p:sp>
-        <p:nvSpPr>
-          <p:cNvPr id="3" name="Content Placeholder 2"/>
-          <p:cNvSpPr>
-            <a:spLocks noGrp="1"/>
-          </p:cNvSpPr>
-          <p:nvPr>
-            <p:ph idx="1"/>
-          </p:nvPr>
-        </p:nvSpPr>
-        <p:spPr/>
-        <p:txBody>
-          <a:bodyPr>
-            <a:normAutofit/>
-          </a:bodyPr>
-          <a:lstStyle/>
           <a:p>
             <a:pPr marL="0" indent="0" algn="ctr">
               <a:buNone/>
             </a:pPr>
             <a:r>
-              <a:rPr lang="zh-TW" altLang="en-US" sz="5400" b="1" dirty="0">
+              <a:rPr lang="zh-TW" altLang="en-US" sz="6400" b="1" dirty="0">
+                <a:solidFill>
+                  <a:srgbClr val="660033"/>
+                </a:solidFill>
                 <a:latin typeface="Microsoft JhengHei" panose="020B0604030504040204" pitchFamily="34" charset="-120"/>
                 <a:ea typeface="Microsoft JhengHei" panose="020B0604030504040204" pitchFamily="34" charset="-120"/>
               </a:rPr>
-              <a:t>我全心來敬</a:t>
-            </a:r>
-            <a:r>
-              <a:rPr lang="zh-TW" altLang="en-US" sz="5400" b="1" dirty="0" smtClean="0">
-                <a:latin typeface="Microsoft JhengHei" panose="020B0604030504040204" pitchFamily="34" charset="-120"/>
-                <a:ea typeface="Microsoft JhengHei" panose="020B0604030504040204" pitchFamily="34" charset="-120"/>
-              </a:rPr>
-              <a:t>拜</a:t>
-            </a:r>
-            <a:r>
-              <a:rPr lang="zh-CN" altLang="en-US" sz="5400" b="1" dirty="0" smtClean="0">
-                <a:latin typeface="Microsoft JhengHei" panose="020B0604030504040204" pitchFamily="34" charset="-120"/>
-                <a:ea typeface="Microsoft JhengHei" panose="020B0604030504040204" pitchFamily="34" charset="-120"/>
-              </a:rPr>
-              <a:t>袮</a:t>
-            </a:r>
-            <a:r>
-              <a:rPr lang="zh-TW" altLang="en-US" sz="5400" b="1" dirty="0" smtClean="0">
-                <a:latin typeface="Microsoft JhengHei" panose="020B0604030504040204" pitchFamily="34" charset="-120"/>
-                <a:ea typeface="Microsoft JhengHei" panose="020B0604030504040204" pitchFamily="34" charset="-120"/>
-              </a:rPr>
-              <a:t>主</a:t>
-            </a:r>
-            <a:endParaRPr lang="en-US" altLang="zh-TW" sz="5400" b="1" dirty="0">
+              <a:t>前來獻上最深的敬拜</a:t>
+            </a:r>
+            <a:endParaRPr lang="en-US" altLang="zh-TW" sz="6400" b="1" dirty="0">
+              <a:solidFill>
+                <a:srgbClr val="660033"/>
+              </a:solidFill>
               <a:latin typeface="Microsoft JhengHei" panose="020B0604030504040204" pitchFamily="34" charset="-120"/>
               <a:ea typeface="Microsoft JhengHei" panose="020B0604030504040204" pitchFamily="34" charset="-120"/>
             </a:endParaRPr>
           </a:p>
-          <a:p>
-            <a:pPr marL="0" indent="0" algn="ctr">
-              <a:buNone/>
-            </a:pPr>
-            <a:r>
-              <a:rPr lang="zh-TW" altLang="en-US" sz="5400" b="1" dirty="0">
-                <a:latin typeface="Microsoft JhengHei" panose="020B0604030504040204" pitchFamily="34" charset="-120"/>
-                <a:ea typeface="Microsoft JhengHei" panose="020B0604030504040204" pitchFamily="34" charset="-120"/>
-              </a:rPr>
-              <a:t>高</a:t>
-            </a:r>
-            <a:r>
-              <a:rPr lang="zh-TW" altLang="en-US" sz="5400" b="1" dirty="0">
-                <a:latin typeface="Microsoft JhengHei" panose="020B0604030504040204" pitchFamily="34" charset="-120"/>
-                <a:ea typeface="Microsoft JhengHei" panose="020B0604030504040204" pitchFamily="34" charset="-120"/>
-              </a:rPr>
-              <a:t>舉雙手敬</a:t>
-            </a:r>
-            <a:r>
-              <a:rPr lang="zh-TW" altLang="en-US" sz="5400" b="1" dirty="0" smtClean="0">
-                <a:latin typeface="Microsoft JhengHei" panose="020B0604030504040204" pitchFamily="34" charset="-120"/>
-                <a:ea typeface="Microsoft JhengHei" panose="020B0604030504040204" pitchFamily="34" charset="-120"/>
-              </a:rPr>
-              <a:t>拜</a:t>
-            </a:r>
-            <a:r>
-              <a:rPr lang="zh-CN" altLang="en-US" sz="5400" b="1" dirty="0">
-                <a:latin typeface="Microsoft JhengHei" panose="020B0604030504040204" pitchFamily="34" charset="-120"/>
-                <a:ea typeface="Microsoft JhengHei" panose="020B0604030504040204" pitchFamily="34" charset="-120"/>
-              </a:rPr>
-              <a:t>袮</a:t>
-            </a:r>
-            <a:r>
-              <a:rPr lang="zh-TW" altLang="en-US" sz="5400" b="1" dirty="0" smtClean="0">
-                <a:latin typeface="Microsoft JhengHei" panose="020B0604030504040204" pitchFamily="34" charset="-120"/>
-                <a:ea typeface="Microsoft JhengHei" panose="020B0604030504040204" pitchFamily="34" charset="-120"/>
-              </a:rPr>
-              <a:t>主</a:t>
-            </a:r>
-            <a:endParaRPr lang="en-US" altLang="zh-TW" sz="5400" b="1" dirty="0">
-              <a:latin typeface="Microsoft JhengHei" panose="020B0604030504040204" pitchFamily="34" charset="-120"/>
-              <a:ea typeface="Microsoft JhengHei" panose="020B0604030504040204" pitchFamily="34" charset="-120"/>
-            </a:endParaRPr>
-          </a:p>
-          <a:p>
-            <a:pPr marL="0" indent="0" algn="ctr">
-              <a:buNone/>
-            </a:pPr>
-            <a:r>
-              <a:rPr lang="zh-TW" altLang="en-US" sz="5400" b="1" dirty="0" smtClean="0">
-                <a:latin typeface="Microsoft JhengHei" panose="020B0604030504040204" pitchFamily="34" charset="-120"/>
-                <a:ea typeface="Microsoft JhengHei" panose="020B0604030504040204" pitchFamily="34" charset="-120"/>
-              </a:rPr>
-              <a:t>在</a:t>
-            </a:r>
-            <a:r>
-              <a:rPr lang="zh-CN" altLang="en-US" sz="5400" b="1" dirty="0">
-                <a:latin typeface="Microsoft JhengHei" panose="020B0604030504040204" pitchFamily="34" charset="-120"/>
-                <a:ea typeface="Microsoft JhengHei" panose="020B0604030504040204" pitchFamily="34" charset="-120"/>
-              </a:rPr>
-              <a:t>袮</a:t>
-            </a:r>
-            <a:r>
-              <a:rPr lang="zh-TW" altLang="en-US" sz="5400" b="1" dirty="0" smtClean="0">
-                <a:latin typeface="Microsoft JhengHei" panose="020B0604030504040204" pitchFamily="34" charset="-120"/>
-                <a:ea typeface="Microsoft JhengHei" panose="020B0604030504040204" pitchFamily="34" charset="-120"/>
-              </a:rPr>
-              <a:t>大</a:t>
-            </a:r>
-            <a:r>
-              <a:rPr lang="zh-TW" altLang="en-US" sz="5400" b="1" dirty="0">
-                <a:latin typeface="Microsoft JhengHei" panose="020B0604030504040204" pitchFamily="34" charset="-120"/>
-                <a:ea typeface="Microsoft JhengHei" panose="020B0604030504040204" pitchFamily="34" charset="-120"/>
-              </a:rPr>
-              <a:t>能榮耀光</a:t>
-            </a:r>
-            <a:r>
-              <a:rPr lang="zh-TW" altLang="en-US" sz="5400" b="1" dirty="0">
-                <a:latin typeface="Microsoft JhengHei" panose="020B0604030504040204" pitchFamily="34" charset="-120"/>
-                <a:ea typeface="Microsoft JhengHei" panose="020B0604030504040204" pitchFamily="34" charset="-120"/>
-              </a:rPr>
-              <a:t>中</a:t>
-            </a:r>
-            <a:endParaRPr lang="en-US" altLang="zh-TW" sz="5400" b="1" dirty="0">
-              <a:latin typeface="Microsoft JhengHei" panose="020B0604030504040204" pitchFamily="34" charset="-120"/>
-              <a:ea typeface="Microsoft JhengHei" panose="020B0604030504040204" pitchFamily="34" charset="-120"/>
-            </a:endParaRPr>
-          </a:p>
-          <a:p>
-            <a:pPr marL="0" indent="0" algn="ctr">
-              <a:buNone/>
-            </a:pPr>
-            <a:r>
-              <a:rPr lang="zh-TW" altLang="en-US" sz="5400" b="1" dirty="0">
-                <a:latin typeface="Microsoft JhengHei" panose="020B0604030504040204" pitchFamily="34" charset="-120"/>
-                <a:ea typeface="Microsoft JhengHei" panose="020B0604030504040204" pitchFamily="34" charset="-120"/>
-              </a:rPr>
-              <a:t>我</a:t>
-            </a:r>
-            <a:r>
-              <a:rPr lang="zh-TW" altLang="en-US" sz="5400" b="1" dirty="0">
-                <a:latin typeface="Microsoft JhengHei" panose="020B0604030504040204" pitchFamily="34" charset="-120"/>
-                <a:ea typeface="Microsoft JhengHei" panose="020B0604030504040204" pitchFamily="34" charset="-120"/>
-              </a:rPr>
-              <a:t>俯伏</a:t>
-            </a:r>
-            <a:r>
-              <a:rPr lang="zh-TW" altLang="en-US" sz="5400" b="1" dirty="0" smtClean="0">
-                <a:latin typeface="Microsoft JhengHei" panose="020B0604030504040204" pitchFamily="34" charset="-120"/>
-                <a:ea typeface="Microsoft JhengHei" panose="020B0604030504040204" pitchFamily="34" charset="-120"/>
-              </a:rPr>
-              <a:t>在</a:t>
-            </a:r>
-            <a:r>
-              <a:rPr lang="zh-CN" altLang="en-US" sz="5400" b="1" dirty="0">
-                <a:latin typeface="Microsoft JhengHei" panose="020B0604030504040204" pitchFamily="34" charset="-120"/>
-                <a:ea typeface="Microsoft JhengHei" panose="020B0604030504040204" pitchFamily="34" charset="-120"/>
-              </a:rPr>
-              <a:t>袮</a:t>
-            </a:r>
-            <a:r>
-              <a:rPr lang="zh-TW" altLang="en-US" sz="5400" b="1" dirty="0" smtClean="0">
-                <a:latin typeface="Microsoft JhengHei" panose="020B0604030504040204" pitchFamily="34" charset="-120"/>
-                <a:ea typeface="Microsoft JhengHei" panose="020B0604030504040204" pitchFamily="34" charset="-120"/>
-              </a:rPr>
-              <a:t>寶</a:t>
-            </a:r>
-            <a:r>
-              <a:rPr lang="zh-TW" altLang="en-US" sz="5400" b="1" dirty="0">
-                <a:latin typeface="Microsoft JhengHei" panose="020B0604030504040204" pitchFamily="34" charset="-120"/>
-                <a:ea typeface="Microsoft JhengHei" panose="020B0604030504040204" pitchFamily="34" charset="-120"/>
-              </a:rPr>
-              <a:t>座前</a:t>
-            </a:r>
-            <a:endParaRPr lang="vi-VN" sz="5400" b="1" dirty="0">
-              <a:latin typeface="Microsoft JhengHei" panose="020B0604030504040204" pitchFamily="34" charset="-120"/>
-              <a:ea typeface="Microsoft JhengHei" panose="020B0604030504040204" pitchFamily="34" charset="-120"/>
-            </a:endParaRPr>
-          </a:p>
         </p:txBody>
       </p:sp>
     </p:spTree>
     <p:extLst>
       <p:ext uri="{BB962C8B-B14F-4D97-AF65-F5344CB8AC3E}">
-        <p14:creationId xmlns:p14="http://schemas.microsoft.com/office/powerpoint/2010/main" val="1329994199"/>
+        <p14:creationId xmlns:p14="http://schemas.microsoft.com/office/powerpoint/2010/main" val="404064815"/>
       </p:ext>
     </p:extLst>
   </p:cSld>
@@ -3587,83 +3303,159 @@
       </p:grpSpPr>
       <p:sp>
         <p:nvSpPr>
-          <p:cNvPr id="2" name="Title 1"/>
-          <p:cNvSpPr>
-            <a:spLocks noGrp="1"/>
-          </p:cNvSpPr>
-          <p:nvPr>
-            <p:ph type="title"/>
-          </p:nvPr>
-        </p:nvSpPr>
-        <p:spPr/>
-        <p:txBody>
-          <a:bodyPr>
+          <p:cNvPr id="5" name="內容版面配置區 4"/>
+          <p:cNvSpPr>
+            <a:spLocks noGrp="1"/>
+          </p:cNvSpPr>
+          <p:nvPr>
+            <p:ph idx="1"/>
+          </p:nvPr>
+        </p:nvSpPr>
+        <p:spPr>
+          <a:xfrm>
+            <a:off x="0" y="2084851"/>
+            <a:ext cx="12192000" cy="2404863"/>
+          </a:xfrm>
+        </p:spPr>
+        <p:txBody>
+          <a:bodyPr anchor="ctr">
             <a:normAutofit/>
           </a:bodyPr>
           <a:lstStyle/>
           <a:p>
-            <a:r>
-              <a:rPr lang="zh-TW" altLang="en-US" sz="4800" b="1" dirty="0">
+            <a:pPr marL="0" indent="0" algn="ctr">
+              <a:buNone/>
+            </a:pPr>
+            <a:r>
+              <a:rPr lang="zh-TW" altLang="en-US" sz="6400" b="1" dirty="0">
+                <a:solidFill>
+                  <a:srgbClr val="660033"/>
+                </a:solidFill>
                 <a:latin typeface="Microsoft JhengHei" panose="020B0604030504040204" pitchFamily="34" charset="-120"/>
                 <a:ea typeface="Microsoft JhengHei" panose="020B0604030504040204" pitchFamily="34" charset="-120"/>
               </a:rPr>
-              <a:t>這是聖潔之地</a:t>
-            </a:r>
-            <a:endParaRPr lang="vi-VN" sz="4800" b="1" dirty="0">
+              <a:t>這是聖潔之地  神在這裡</a:t>
+            </a:r>
+            <a:endParaRPr lang="en-US" altLang="zh-TW" sz="6400" b="1" dirty="0">
+              <a:solidFill>
+                <a:srgbClr val="660033"/>
+              </a:solidFill>
+              <a:latin typeface="Microsoft JhengHei" panose="020B0604030504040204" pitchFamily="34" charset="-120"/>
               <a:ea typeface="Microsoft JhengHei" panose="020B0604030504040204" pitchFamily="34" charset="-120"/>
             </a:endParaRPr>
           </a:p>
-        </p:txBody>
-      </p:sp>
-      <p:sp>
-        <p:nvSpPr>
-          <p:cNvPr id="3" name="Content Placeholder 2"/>
-          <p:cNvSpPr>
-            <a:spLocks noGrp="1"/>
-          </p:cNvSpPr>
-          <p:nvPr>
-            <p:ph idx="1"/>
-          </p:nvPr>
-        </p:nvSpPr>
-        <p:spPr/>
-        <p:txBody>
-          <a:bodyPr>
-            <a:normAutofit/>
-          </a:bodyPr>
-          <a:lstStyle/>
           <a:p>
             <a:pPr marL="0" indent="0" algn="ctr">
               <a:buNone/>
             </a:pPr>
             <a:r>
-              <a:rPr lang="zh-TW" altLang="en-US" sz="5400" b="1" dirty="0">
+              <a:rPr lang="zh-TW" altLang="en-US" sz="6400" b="1" dirty="0">
+                <a:solidFill>
+                  <a:srgbClr val="660033"/>
+                </a:solidFill>
                 <a:latin typeface="Microsoft JhengHei" panose="020B0604030504040204" pitchFamily="34" charset="-120"/>
                 <a:ea typeface="Microsoft JhengHei" panose="020B0604030504040204" pitchFamily="34" charset="-120"/>
               </a:rPr>
-              <a:t>我全心來敬</a:t>
-            </a:r>
-            <a:r>
-              <a:rPr lang="zh-TW" altLang="en-US" sz="5400" b="1" dirty="0" smtClean="0">
+              <a:t>設立寶座  在榮耀的敬拜裡</a:t>
+            </a:r>
+            <a:endParaRPr lang="vi-VN" sz="6400" b="1" dirty="0">
+              <a:solidFill>
+                <a:srgbClr val="660033"/>
+              </a:solidFill>
+              <a:ea typeface="Microsoft JhengHei" panose="020B0604030504040204" pitchFamily="34" charset="-120"/>
+            </a:endParaRPr>
+          </a:p>
+        </p:txBody>
+      </p:sp>
+    </p:spTree>
+    <p:extLst>
+      <p:ext uri="{BB962C8B-B14F-4D97-AF65-F5344CB8AC3E}">
+        <p14:creationId xmlns:p14="http://schemas.microsoft.com/office/powerpoint/2010/main" val="3305580447"/>
+      </p:ext>
+    </p:extLst>
+  </p:cSld>
+  <p:clrMapOvr>
+    <a:masterClrMapping/>
+  </p:clrMapOvr>
+</p:sld>
+</file>
+
+<file path=ppt/slides/slide4.xml><?xml version="1.0" encoding="utf-8"?>
+<p:sld xmlns:a="http://schemas.openxmlformats.org/drawingml/2006/main" xmlns:r="http://schemas.openxmlformats.org/officeDocument/2006/relationships" xmlns:p="http://schemas.openxmlformats.org/presentationml/2006/main">
+  <p:cSld>
+    <p:spTree>
+      <p:nvGrpSpPr>
+        <p:cNvPr id="1" name=""/>
+        <p:cNvGrpSpPr/>
+        <p:nvPr/>
+      </p:nvGrpSpPr>
+      <p:grpSpPr>
+        <a:xfrm>
+          <a:off x="0" y="0"/>
+          <a:ext cx="0" cy="0"/>
+          <a:chOff x="0" y="0"/>
+          <a:chExt cx="0" cy="0"/>
+        </a:xfrm>
+      </p:grpSpPr>
+      <p:sp>
+        <p:nvSpPr>
+          <p:cNvPr id="5" name="內容版面配置區 4"/>
+          <p:cNvSpPr>
+            <a:spLocks noGrp="1"/>
+          </p:cNvSpPr>
+          <p:nvPr>
+            <p:ph idx="1"/>
+          </p:nvPr>
+        </p:nvSpPr>
+        <p:spPr>
+          <a:xfrm>
+            <a:off x="0" y="2084851"/>
+            <a:ext cx="12192000" cy="2404863"/>
+          </a:xfrm>
+        </p:spPr>
+        <p:txBody>
+          <a:bodyPr anchor="ctr">
+            <a:normAutofit/>
+          </a:bodyPr>
+          <a:lstStyle/>
+          <a:p>
+            <a:pPr marL="0" indent="0" algn="ctr">
+              <a:buNone/>
+            </a:pPr>
+            <a:r>
+              <a:rPr lang="zh-TW" altLang="en-US" sz="6400" b="1" dirty="0">
+                <a:solidFill>
+                  <a:srgbClr val="660033"/>
+                </a:solidFill>
                 <a:latin typeface="Microsoft JhengHei" panose="020B0604030504040204" pitchFamily="34" charset="-120"/>
                 <a:ea typeface="Microsoft JhengHei" panose="020B0604030504040204" pitchFamily="34" charset="-120"/>
               </a:rPr>
-              <a:t>拜</a:t>
-            </a:r>
-            <a:r>
-              <a:rPr lang="zh-CN" altLang="en-US" sz="5400" b="1" dirty="0">
+              <a:t>我全心來敬拜</a:t>
+            </a:r>
+            <a:r>
+              <a:rPr lang="zh-CN" altLang="en-US" sz="6400" b="1" dirty="0">
+                <a:solidFill>
+                  <a:srgbClr val="660033"/>
+                </a:solidFill>
                 <a:latin typeface="Microsoft JhengHei" panose="020B0604030504040204" pitchFamily="34" charset="-120"/>
                 <a:ea typeface="Microsoft JhengHei" panose="020B0604030504040204" pitchFamily="34" charset="-120"/>
               </a:rPr>
               <a:t>袮</a:t>
             </a:r>
             <a:r>
-              <a:rPr lang="zh-TW" altLang="en-US" sz="5400" b="1" dirty="0" smtClean="0">
+              <a:rPr lang="zh-TW" altLang="en-US" sz="6400" b="1" dirty="0">
+                <a:solidFill>
+                  <a:srgbClr val="660033"/>
+                </a:solidFill>
                 <a:latin typeface="Microsoft JhengHei" panose="020B0604030504040204" pitchFamily="34" charset="-120"/>
                 <a:ea typeface="Microsoft JhengHei" panose="020B0604030504040204" pitchFamily="34" charset="-120"/>
               </a:rPr>
               <a:t>主</a:t>
             </a:r>
-            <a:endParaRPr lang="en-US" altLang="zh-TW" sz="5400" b="1" dirty="0">
+            <a:endParaRPr lang="en-US" altLang="zh-TW" sz="6400" b="1" dirty="0">
+              <a:solidFill>
+                <a:srgbClr val="660033"/>
+              </a:solidFill>
               <a:latin typeface="Microsoft JhengHei" panose="020B0604030504040204" pitchFamily="34" charset="-120"/>
               <a:ea typeface="Microsoft JhengHei" panose="020B0604030504040204" pitchFamily="34" charset="-120"/>
             </a:endParaRPr>
@@ -3673,122 +3465,176 @@
               <a:buNone/>
             </a:pPr>
             <a:r>
-              <a:rPr lang="zh-TW" altLang="en-US" sz="5400" b="1" dirty="0">
+              <a:rPr lang="zh-TW" altLang="en-US" sz="6400" b="1" dirty="0">
+                <a:solidFill>
+                  <a:srgbClr val="660033"/>
+                </a:solidFill>
                 <a:latin typeface="Microsoft JhengHei" panose="020B0604030504040204" pitchFamily="34" charset="-120"/>
                 <a:ea typeface="Microsoft JhengHei" panose="020B0604030504040204" pitchFamily="34" charset="-120"/>
               </a:rPr>
-              <a:t>高</a:t>
-            </a:r>
-            <a:r>
-              <a:rPr lang="zh-TW" altLang="en-US" sz="5400" b="1" dirty="0">
-                <a:latin typeface="Microsoft JhengHei" panose="020B0604030504040204" pitchFamily="34" charset="-120"/>
-                <a:ea typeface="Microsoft JhengHei" panose="020B0604030504040204" pitchFamily="34" charset="-120"/>
-              </a:rPr>
-              <a:t>舉雙手敬</a:t>
-            </a:r>
-            <a:r>
-              <a:rPr lang="zh-TW" altLang="en-US" sz="5400" b="1" dirty="0" smtClean="0">
-                <a:latin typeface="Microsoft JhengHei" panose="020B0604030504040204" pitchFamily="34" charset="-120"/>
-                <a:ea typeface="Microsoft JhengHei" panose="020B0604030504040204" pitchFamily="34" charset="-120"/>
-              </a:rPr>
-              <a:t>拜</a:t>
-            </a:r>
-            <a:r>
-              <a:rPr lang="zh-CN" altLang="en-US" sz="5400" b="1" dirty="0">
+              <a:t>高舉雙手敬拜</a:t>
+            </a:r>
+            <a:r>
+              <a:rPr lang="zh-CN" altLang="en-US" sz="6400" b="1" dirty="0">
+                <a:solidFill>
+                  <a:srgbClr val="660033"/>
+                </a:solidFill>
                 <a:latin typeface="Microsoft JhengHei" panose="020B0604030504040204" pitchFamily="34" charset="-120"/>
                 <a:ea typeface="Microsoft JhengHei" panose="020B0604030504040204" pitchFamily="34" charset="-120"/>
               </a:rPr>
               <a:t>袮</a:t>
             </a:r>
             <a:r>
-              <a:rPr lang="zh-TW" altLang="en-US" sz="5400" b="1" dirty="0" smtClean="0">
+              <a:rPr lang="zh-TW" altLang="en-US" sz="6400" b="1" dirty="0">
+                <a:solidFill>
+                  <a:srgbClr val="660033"/>
+                </a:solidFill>
                 <a:latin typeface="Microsoft JhengHei" panose="020B0604030504040204" pitchFamily="34" charset="-120"/>
                 <a:ea typeface="Microsoft JhengHei" panose="020B0604030504040204" pitchFamily="34" charset="-120"/>
               </a:rPr>
               <a:t>主</a:t>
             </a:r>
-            <a:endParaRPr lang="en-US" altLang="zh-TW" sz="5400" b="1" dirty="0">
+            <a:endParaRPr lang="en-US" altLang="zh-TW" sz="6400" b="1" dirty="0">
+              <a:solidFill>
+                <a:srgbClr val="660033"/>
+              </a:solidFill>
               <a:latin typeface="Microsoft JhengHei" panose="020B0604030504040204" pitchFamily="34" charset="-120"/>
               <a:ea typeface="Microsoft JhengHei" panose="020B0604030504040204" pitchFamily="34" charset="-120"/>
             </a:endParaRPr>
           </a:p>
+        </p:txBody>
+      </p:sp>
+    </p:spTree>
+    <p:extLst>
+      <p:ext uri="{BB962C8B-B14F-4D97-AF65-F5344CB8AC3E}">
+        <p14:creationId xmlns:p14="http://schemas.microsoft.com/office/powerpoint/2010/main" val="2617332642"/>
+      </p:ext>
+    </p:extLst>
+  </p:cSld>
+  <p:clrMapOvr>
+    <a:masterClrMapping/>
+  </p:clrMapOvr>
+</p:sld>
+</file>
+
+<file path=ppt/slides/slide5.xml><?xml version="1.0" encoding="utf-8"?>
+<p:sld xmlns:a="http://schemas.openxmlformats.org/drawingml/2006/main" xmlns:r="http://schemas.openxmlformats.org/officeDocument/2006/relationships" xmlns:p="http://schemas.openxmlformats.org/presentationml/2006/main">
+  <p:cSld>
+    <p:spTree>
+      <p:nvGrpSpPr>
+        <p:cNvPr id="1" name=""/>
+        <p:cNvGrpSpPr/>
+        <p:nvPr/>
+      </p:nvGrpSpPr>
+      <p:grpSpPr>
+        <a:xfrm>
+          <a:off x="0" y="0"/>
+          <a:ext cx="0" cy="0"/>
+          <a:chOff x="0" y="0"/>
+          <a:chExt cx="0" cy="0"/>
+        </a:xfrm>
+      </p:grpSpPr>
+      <p:sp>
+        <p:nvSpPr>
+          <p:cNvPr id="5" name="內容版面配置區 4"/>
+          <p:cNvSpPr>
+            <a:spLocks noGrp="1"/>
+          </p:cNvSpPr>
+          <p:nvPr>
+            <p:ph idx="1"/>
+          </p:nvPr>
+        </p:nvSpPr>
+        <p:spPr>
+          <a:xfrm>
+            <a:off x="0" y="2084851"/>
+            <a:ext cx="12192000" cy="2404863"/>
+          </a:xfrm>
+        </p:spPr>
+        <p:txBody>
+          <a:bodyPr anchor="ctr">
+            <a:normAutofit/>
+          </a:bodyPr>
+          <a:lstStyle/>
           <a:p>
             <a:pPr marL="0" indent="0" algn="ctr">
               <a:buNone/>
             </a:pPr>
             <a:r>
-              <a:rPr lang="zh-TW" altLang="en-US" sz="5400" b="1" dirty="0" smtClean="0">
+              <a:rPr lang="zh-TW" altLang="en-US" sz="6400" b="1" dirty="0">
+                <a:solidFill>
+                  <a:srgbClr val="660033"/>
+                </a:solidFill>
                 <a:latin typeface="Microsoft JhengHei" panose="020B0604030504040204" pitchFamily="34" charset="-120"/>
                 <a:ea typeface="Microsoft JhengHei" panose="020B0604030504040204" pitchFamily="34" charset="-120"/>
               </a:rPr>
               <a:t>在</a:t>
             </a:r>
             <a:r>
-              <a:rPr lang="zh-CN" altLang="en-US" sz="5400" b="1" dirty="0">
+              <a:rPr lang="zh-CN" altLang="en-US" sz="6400" b="1" dirty="0">
+                <a:solidFill>
+                  <a:srgbClr val="660033"/>
+                </a:solidFill>
                 <a:latin typeface="Microsoft JhengHei" panose="020B0604030504040204" pitchFamily="34" charset="-120"/>
                 <a:ea typeface="Microsoft JhengHei" panose="020B0604030504040204" pitchFamily="34" charset="-120"/>
               </a:rPr>
               <a:t>袮</a:t>
             </a:r>
             <a:r>
-              <a:rPr lang="zh-TW" altLang="en-US" sz="5400" b="1" dirty="0" smtClean="0">
+              <a:rPr lang="zh-TW" altLang="en-US" sz="6400" b="1" dirty="0">
+                <a:solidFill>
+                  <a:srgbClr val="660033"/>
+                </a:solidFill>
                 <a:latin typeface="Microsoft JhengHei" panose="020B0604030504040204" pitchFamily="34" charset="-120"/>
                 <a:ea typeface="Microsoft JhengHei" panose="020B0604030504040204" pitchFamily="34" charset="-120"/>
               </a:rPr>
-              <a:t>大</a:t>
-            </a:r>
-            <a:r>
-              <a:rPr lang="zh-TW" altLang="en-US" sz="5400" b="1" dirty="0">
+              <a:t>大能榮耀光中</a:t>
+            </a:r>
+            <a:endParaRPr lang="en-US" altLang="zh-TW" sz="6400" b="1" dirty="0">
+              <a:solidFill>
+                <a:srgbClr val="660033"/>
+              </a:solidFill>
+              <a:latin typeface="Microsoft JhengHei" panose="020B0604030504040204" pitchFamily="34" charset="-120"/>
+              <a:ea typeface="Microsoft JhengHei" panose="020B0604030504040204" pitchFamily="34" charset="-120"/>
+            </a:endParaRPr>
+          </a:p>
+          <a:p>
+            <a:pPr marL="0" indent="0" algn="ctr">
+              <a:buNone/>
+            </a:pPr>
+            <a:r>
+              <a:rPr lang="zh-TW" altLang="en-US" sz="6400" b="1" dirty="0">
+                <a:solidFill>
+                  <a:srgbClr val="660033"/>
+                </a:solidFill>
                 <a:latin typeface="Microsoft JhengHei" panose="020B0604030504040204" pitchFamily="34" charset="-120"/>
                 <a:ea typeface="Microsoft JhengHei" panose="020B0604030504040204" pitchFamily="34" charset="-120"/>
               </a:rPr>
-              <a:t>能榮耀光</a:t>
-            </a:r>
-            <a:r>
-              <a:rPr lang="zh-TW" altLang="en-US" sz="5400" b="1" dirty="0">
-                <a:latin typeface="Microsoft JhengHei" panose="020B0604030504040204" pitchFamily="34" charset="-120"/>
-                <a:ea typeface="Microsoft JhengHei" panose="020B0604030504040204" pitchFamily="34" charset="-120"/>
-              </a:rPr>
-              <a:t>中</a:t>
-            </a:r>
-            <a:endParaRPr lang="en-US" altLang="zh-TW" sz="5400" b="1" dirty="0">
-              <a:latin typeface="Microsoft JhengHei" panose="020B0604030504040204" pitchFamily="34" charset="-120"/>
-              <a:ea typeface="Microsoft JhengHei" panose="020B0604030504040204" pitchFamily="34" charset="-120"/>
-            </a:endParaRPr>
-          </a:p>
-          <a:p>
-            <a:pPr marL="0" indent="0" algn="ctr">
-              <a:buNone/>
-            </a:pPr>
-            <a:r>
-              <a:rPr lang="zh-TW" altLang="en-US" sz="5400" b="1" dirty="0">
-                <a:latin typeface="Microsoft JhengHei" panose="020B0604030504040204" pitchFamily="34" charset="-120"/>
-                <a:ea typeface="Microsoft JhengHei" panose="020B0604030504040204" pitchFamily="34" charset="-120"/>
-              </a:rPr>
-              <a:t>我</a:t>
-            </a:r>
-            <a:r>
-              <a:rPr lang="zh-TW" altLang="en-US" sz="5400" b="1" dirty="0">
-                <a:latin typeface="Microsoft JhengHei" panose="020B0604030504040204" pitchFamily="34" charset="-120"/>
-                <a:ea typeface="Microsoft JhengHei" panose="020B0604030504040204" pitchFamily="34" charset="-120"/>
-              </a:rPr>
-              <a:t>與眾天使俯伏深深敬</a:t>
-            </a:r>
-            <a:r>
-              <a:rPr lang="zh-TW" altLang="en-US" sz="5400" b="1" dirty="0" smtClean="0">
-                <a:latin typeface="Microsoft JhengHei" panose="020B0604030504040204" pitchFamily="34" charset="-120"/>
-                <a:ea typeface="Microsoft JhengHei" panose="020B0604030504040204" pitchFamily="34" charset="-120"/>
-              </a:rPr>
-              <a:t>拜</a:t>
-            </a:r>
-            <a:r>
-              <a:rPr lang="zh-CN" altLang="en-US" sz="5400" b="1" dirty="0">
+              <a:t>我俯伏在</a:t>
+            </a:r>
+            <a:r>
+              <a:rPr lang="zh-CN" altLang="en-US" sz="6400" b="1" dirty="0">
+                <a:solidFill>
+                  <a:srgbClr val="660033"/>
+                </a:solidFill>
                 <a:latin typeface="Microsoft JhengHei" panose="020B0604030504040204" pitchFamily="34" charset="-120"/>
                 <a:ea typeface="Microsoft JhengHei" panose="020B0604030504040204" pitchFamily="34" charset="-120"/>
               </a:rPr>
               <a:t>袮</a:t>
             </a:r>
-            <a:endParaRPr lang="vi-VN" sz="5400" b="1" dirty="0">
+            <a:r>
+              <a:rPr lang="zh-TW" altLang="en-US" sz="6400" b="1" dirty="0">
+                <a:solidFill>
+                  <a:srgbClr val="660033"/>
+                </a:solidFill>
+                <a:latin typeface="Microsoft JhengHei" panose="020B0604030504040204" pitchFamily="34" charset="-120"/>
+                <a:ea typeface="Microsoft JhengHei" panose="020B0604030504040204" pitchFamily="34" charset="-120"/>
+              </a:rPr>
+              <a:t>寶座前</a:t>
+            </a:r>
+            <a:endParaRPr lang="vi-VN" sz="6400" b="1" dirty="0">
+              <a:solidFill>
+                <a:srgbClr val="660033"/>
+              </a:solidFill>
               <a:latin typeface="Microsoft JhengHei" panose="020B0604030504040204" pitchFamily="34" charset="-120"/>
               <a:ea typeface="Microsoft JhengHei" panose="020B0604030504040204" pitchFamily="34" charset="-120"/>
             </a:endParaRPr>
@@ -3798,7 +3644,271 @@
     </p:spTree>
     <p:extLst>
       <p:ext uri="{BB962C8B-B14F-4D97-AF65-F5344CB8AC3E}">
-        <p14:creationId xmlns:p14="http://schemas.microsoft.com/office/powerpoint/2010/main" val="3419397932"/>
+        <p14:creationId xmlns:p14="http://schemas.microsoft.com/office/powerpoint/2010/main" val="4287012016"/>
+      </p:ext>
+    </p:extLst>
+  </p:cSld>
+  <p:clrMapOvr>
+    <a:masterClrMapping/>
+  </p:clrMapOvr>
+</p:sld>
+</file>
+
+<file path=ppt/slides/slide6.xml><?xml version="1.0" encoding="utf-8"?>
+<p:sld xmlns:a="http://schemas.openxmlformats.org/drawingml/2006/main" xmlns:r="http://schemas.openxmlformats.org/officeDocument/2006/relationships" xmlns:p="http://schemas.openxmlformats.org/presentationml/2006/main">
+  <p:cSld>
+    <p:spTree>
+      <p:nvGrpSpPr>
+        <p:cNvPr id="1" name=""/>
+        <p:cNvGrpSpPr/>
+        <p:nvPr/>
+      </p:nvGrpSpPr>
+      <p:grpSpPr>
+        <a:xfrm>
+          <a:off x="0" y="0"/>
+          <a:ext cx="0" cy="0"/>
+          <a:chOff x="0" y="0"/>
+          <a:chExt cx="0" cy="0"/>
+        </a:xfrm>
+      </p:grpSpPr>
+      <p:sp>
+        <p:nvSpPr>
+          <p:cNvPr id="5" name="內容版面配置區 4"/>
+          <p:cNvSpPr>
+            <a:spLocks noGrp="1"/>
+          </p:cNvSpPr>
+          <p:nvPr>
+            <p:ph idx="1"/>
+          </p:nvPr>
+        </p:nvSpPr>
+        <p:spPr>
+          <a:xfrm>
+            <a:off x="0" y="2084851"/>
+            <a:ext cx="12192000" cy="2404863"/>
+          </a:xfrm>
+        </p:spPr>
+        <p:txBody>
+          <a:bodyPr anchor="ctr">
+            <a:normAutofit/>
+          </a:bodyPr>
+          <a:lstStyle/>
+          <a:p>
+            <a:pPr marL="0" indent="0" algn="ctr">
+              <a:buNone/>
+            </a:pPr>
+            <a:r>
+              <a:rPr lang="zh-TW" altLang="en-US" sz="6400" b="1" dirty="0">
+                <a:solidFill>
+                  <a:srgbClr val="660033"/>
+                </a:solidFill>
+                <a:latin typeface="Microsoft JhengHei" panose="020B0604030504040204" pitchFamily="34" charset="-120"/>
+                <a:ea typeface="Microsoft JhengHei" panose="020B0604030504040204" pitchFamily="34" charset="-120"/>
+              </a:rPr>
+              <a:t>我全心來敬拜</a:t>
+            </a:r>
+            <a:r>
+              <a:rPr lang="zh-CN" altLang="en-US" sz="6400" b="1" dirty="0">
+                <a:solidFill>
+                  <a:srgbClr val="660033"/>
+                </a:solidFill>
+                <a:latin typeface="Microsoft JhengHei" panose="020B0604030504040204" pitchFamily="34" charset="-120"/>
+                <a:ea typeface="Microsoft JhengHei" panose="020B0604030504040204" pitchFamily="34" charset="-120"/>
+              </a:rPr>
+              <a:t>袮</a:t>
+            </a:r>
+            <a:r>
+              <a:rPr lang="zh-TW" altLang="en-US" sz="6400" b="1" dirty="0">
+                <a:solidFill>
+                  <a:srgbClr val="660033"/>
+                </a:solidFill>
+                <a:latin typeface="Microsoft JhengHei" panose="020B0604030504040204" pitchFamily="34" charset="-120"/>
+                <a:ea typeface="Microsoft JhengHei" panose="020B0604030504040204" pitchFamily="34" charset="-120"/>
+              </a:rPr>
+              <a:t>主</a:t>
+            </a:r>
+            <a:endParaRPr lang="en-US" altLang="zh-TW" sz="6400" b="1" dirty="0">
+              <a:solidFill>
+                <a:srgbClr val="660033"/>
+              </a:solidFill>
+              <a:latin typeface="Microsoft JhengHei" panose="020B0604030504040204" pitchFamily="34" charset="-120"/>
+              <a:ea typeface="Microsoft JhengHei" panose="020B0604030504040204" pitchFamily="34" charset="-120"/>
+            </a:endParaRPr>
+          </a:p>
+          <a:p>
+            <a:pPr marL="0" indent="0" algn="ctr">
+              <a:buNone/>
+            </a:pPr>
+            <a:r>
+              <a:rPr lang="zh-TW" altLang="en-US" sz="6400" b="1" dirty="0">
+                <a:solidFill>
+                  <a:srgbClr val="660033"/>
+                </a:solidFill>
+                <a:latin typeface="Microsoft JhengHei" panose="020B0604030504040204" pitchFamily="34" charset="-120"/>
+                <a:ea typeface="Microsoft JhengHei" panose="020B0604030504040204" pitchFamily="34" charset="-120"/>
+              </a:rPr>
+              <a:t>高舉雙手敬拜</a:t>
+            </a:r>
+            <a:r>
+              <a:rPr lang="zh-CN" altLang="en-US" sz="6400" b="1" dirty="0">
+                <a:solidFill>
+                  <a:srgbClr val="660033"/>
+                </a:solidFill>
+                <a:latin typeface="Microsoft JhengHei" panose="020B0604030504040204" pitchFamily="34" charset="-120"/>
+                <a:ea typeface="Microsoft JhengHei" panose="020B0604030504040204" pitchFamily="34" charset="-120"/>
+              </a:rPr>
+              <a:t>袮</a:t>
+            </a:r>
+            <a:r>
+              <a:rPr lang="zh-TW" altLang="en-US" sz="6400" b="1" dirty="0">
+                <a:solidFill>
+                  <a:srgbClr val="660033"/>
+                </a:solidFill>
+                <a:latin typeface="Microsoft JhengHei" panose="020B0604030504040204" pitchFamily="34" charset="-120"/>
+                <a:ea typeface="Microsoft JhengHei" panose="020B0604030504040204" pitchFamily="34" charset="-120"/>
+              </a:rPr>
+              <a:t>主</a:t>
+            </a:r>
+            <a:endParaRPr lang="en-US" altLang="zh-TW" sz="6400" b="1" dirty="0">
+              <a:solidFill>
+                <a:srgbClr val="660033"/>
+              </a:solidFill>
+              <a:latin typeface="Microsoft JhengHei" panose="020B0604030504040204" pitchFamily="34" charset="-120"/>
+              <a:ea typeface="Microsoft JhengHei" panose="020B0604030504040204" pitchFamily="34" charset="-120"/>
+            </a:endParaRPr>
+          </a:p>
+        </p:txBody>
+      </p:sp>
+    </p:spTree>
+    <p:extLst>
+      <p:ext uri="{BB962C8B-B14F-4D97-AF65-F5344CB8AC3E}">
+        <p14:creationId xmlns:p14="http://schemas.microsoft.com/office/powerpoint/2010/main" val="2546673767"/>
+      </p:ext>
+    </p:extLst>
+  </p:cSld>
+  <p:clrMapOvr>
+    <a:masterClrMapping/>
+  </p:clrMapOvr>
+</p:sld>
+</file>
+
+<file path=ppt/slides/slide7.xml><?xml version="1.0" encoding="utf-8"?>
+<p:sld xmlns:a="http://schemas.openxmlformats.org/drawingml/2006/main" xmlns:r="http://schemas.openxmlformats.org/officeDocument/2006/relationships" xmlns:p="http://schemas.openxmlformats.org/presentationml/2006/main">
+  <p:cSld>
+    <p:spTree>
+      <p:nvGrpSpPr>
+        <p:cNvPr id="1" name=""/>
+        <p:cNvGrpSpPr/>
+        <p:nvPr/>
+      </p:nvGrpSpPr>
+      <p:grpSpPr>
+        <a:xfrm>
+          <a:off x="0" y="0"/>
+          <a:ext cx="0" cy="0"/>
+          <a:chOff x="0" y="0"/>
+          <a:chExt cx="0" cy="0"/>
+        </a:xfrm>
+      </p:grpSpPr>
+      <p:sp>
+        <p:nvSpPr>
+          <p:cNvPr id="5" name="內容版面配置區 4"/>
+          <p:cNvSpPr>
+            <a:spLocks noGrp="1"/>
+          </p:cNvSpPr>
+          <p:nvPr>
+            <p:ph idx="1"/>
+          </p:nvPr>
+        </p:nvSpPr>
+        <p:spPr>
+          <a:xfrm>
+            <a:off x="0" y="2084851"/>
+            <a:ext cx="12192000" cy="2404863"/>
+          </a:xfrm>
+        </p:spPr>
+        <p:txBody>
+          <a:bodyPr anchor="ctr">
+            <a:normAutofit/>
+          </a:bodyPr>
+          <a:lstStyle/>
+          <a:p>
+            <a:pPr marL="0" indent="0" algn="ctr">
+              <a:buNone/>
+            </a:pPr>
+            <a:r>
+              <a:rPr lang="zh-TW" altLang="en-US" sz="6400" b="1" dirty="0">
+                <a:solidFill>
+                  <a:srgbClr val="660033"/>
+                </a:solidFill>
+                <a:latin typeface="Microsoft JhengHei" panose="020B0604030504040204" pitchFamily="34" charset="-120"/>
+                <a:ea typeface="Microsoft JhengHei" panose="020B0604030504040204" pitchFamily="34" charset="-120"/>
+              </a:rPr>
+              <a:t>在</a:t>
+            </a:r>
+            <a:r>
+              <a:rPr lang="zh-CN" altLang="en-US" sz="6400" b="1" dirty="0">
+                <a:solidFill>
+                  <a:srgbClr val="660033"/>
+                </a:solidFill>
+                <a:latin typeface="Microsoft JhengHei" panose="020B0604030504040204" pitchFamily="34" charset="-120"/>
+                <a:ea typeface="Microsoft JhengHei" panose="020B0604030504040204" pitchFamily="34" charset="-120"/>
+              </a:rPr>
+              <a:t>袮</a:t>
+            </a:r>
+            <a:r>
+              <a:rPr lang="zh-TW" altLang="en-US" sz="6400" b="1" dirty="0">
+                <a:solidFill>
+                  <a:srgbClr val="660033"/>
+                </a:solidFill>
+                <a:latin typeface="Microsoft JhengHei" panose="020B0604030504040204" pitchFamily="34" charset="-120"/>
+                <a:ea typeface="Microsoft JhengHei" panose="020B0604030504040204" pitchFamily="34" charset="-120"/>
+              </a:rPr>
+              <a:t>大能榮耀光中</a:t>
+            </a:r>
+            <a:endParaRPr lang="en-US" altLang="zh-TW" sz="6400" b="1" dirty="0">
+              <a:solidFill>
+                <a:srgbClr val="660033"/>
+              </a:solidFill>
+              <a:latin typeface="Microsoft JhengHei" panose="020B0604030504040204" pitchFamily="34" charset="-120"/>
+              <a:ea typeface="Microsoft JhengHei" panose="020B0604030504040204" pitchFamily="34" charset="-120"/>
+            </a:endParaRPr>
+          </a:p>
+          <a:p>
+            <a:pPr marL="0" indent="0" algn="ctr">
+              <a:buNone/>
+            </a:pPr>
+            <a:r>
+              <a:rPr lang="zh-TW" altLang="en-US" sz="6400" b="1" dirty="0">
+                <a:solidFill>
+                  <a:srgbClr val="660033"/>
+                </a:solidFill>
+                <a:latin typeface="Microsoft JhengHei" panose="020B0604030504040204" pitchFamily="34" charset="-120"/>
+                <a:ea typeface="Microsoft JhengHei" panose="020B0604030504040204" pitchFamily="34" charset="-120"/>
+              </a:rPr>
+              <a:t>我與眾天使俯伏深深敬拜</a:t>
+            </a:r>
+            <a:r>
+              <a:rPr lang="zh-CN" altLang="en-US" sz="6400" b="1" dirty="0">
+                <a:solidFill>
+                  <a:srgbClr val="660033"/>
+                </a:solidFill>
+                <a:latin typeface="Microsoft JhengHei" panose="020B0604030504040204" pitchFamily="34" charset="-120"/>
+                <a:ea typeface="Microsoft JhengHei" panose="020B0604030504040204" pitchFamily="34" charset="-120"/>
+              </a:rPr>
+              <a:t>袮</a:t>
+            </a:r>
+            <a:endParaRPr lang="vi-VN" sz="6400" b="1" dirty="0">
+              <a:solidFill>
+                <a:srgbClr val="660033"/>
+              </a:solidFill>
+              <a:latin typeface="Microsoft JhengHei" panose="020B0604030504040204" pitchFamily="34" charset="-120"/>
+              <a:ea typeface="Microsoft JhengHei" panose="020B0604030504040204" pitchFamily="34" charset="-120"/>
+            </a:endParaRPr>
+          </a:p>
+        </p:txBody>
+      </p:sp>
+    </p:spTree>
+    <p:extLst>
+      <p:ext uri="{BB962C8B-B14F-4D97-AF65-F5344CB8AC3E}">
+        <p14:creationId xmlns:p14="http://schemas.microsoft.com/office/powerpoint/2010/main" val="1337175806"/>
       </p:ext>
     </p:extLst>
   </p:cSld>

--- a/這是聖潔之地（崇拜版）.pptx
+++ b/這是聖潔之地（崇拜版）.pptx
@@ -299,7 +299,7 @@
           <a:p>
             <a:fld id="{2A4A4A0E-21BB-422D-85F8-C26611A041BF}" type="datetimeFigureOut">
               <a:rPr lang="vi-VN" smtClean="0"/>
-              <a:t>08/05/2021</a:t>
+              <a:t>10/06/2023</a:t>
             </a:fld>
             <a:endParaRPr lang="vi-VN"/>
           </a:p>
@@ -469,7 +469,7 @@
           <a:p>
             <a:fld id="{2A4A4A0E-21BB-422D-85F8-C26611A041BF}" type="datetimeFigureOut">
               <a:rPr lang="vi-VN" smtClean="0"/>
-              <a:t>08/05/2021</a:t>
+              <a:t>10/06/2023</a:t>
             </a:fld>
             <a:endParaRPr lang="vi-VN"/>
           </a:p>
@@ -649,7 +649,7 @@
           <a:p>
             <a:fld id="{2A4A4A0E-21BB-422D-85F8-C26611A041BF}" type="datetimeFigureOut">
               <a:rPr lang="vi-VN" smtClean="0"/>
-              <a:t>08/05/2021</a:t>
+              <a:t>10/06/2023</a:t>
             </a:fld>
             <a:endParaRPr lang="vi-VN"/>
           </a:p>
@@ -819,7 +819,7 @@
           <a:p>
             <a:fld id="{2A4A4A0E-21BB-422D-85F8-C26611A041BF}" type="datetimeFigureOut">
               <a:rPr lang="vi-VN" smtClean="0"/>
-              <a:t>08/05/2021</a:t>
+              <a:t>10/06/2023</a:t>
             </a:fld>
             <a:endParaRPr lang="vi-VN"/>
           </a:p>
@@ -1065,7 +1065,7 @@
           <a:p>
             <a:fld id="{2A4A4A0E-21BB-422D-85F8-C26611A041BF}" type="datetimeFigureOut">
               <a:rPr lang="vi-VN" smtClean="0"/>
-              <a:t>08/05/2021</a:t>
+              <a:t>10/06/2023</a:t>
             </a:fld>
             <a:endParaRPr lang="vi-VN"/>
           </a:p>
@@ -1353,7 +1353,7 @@
           <a:p>
             <a:fld id="{2A4A4A0E-21BB-422D-85F8-C26611A041BF}" type="datetimeFigureOut">
               <a:rPr lang="vi-VN" smtClean="0"/>
-              <a:t>08/05/2021</a:t>
+              <a:t>10/06/2023</a:t>
             </a:fld>
             <a:endParaRPr lang="vi-VN"/>
           </a:p>
@@ -1775,7 +1775,7 @@
           <a:p>
             <a:fld id="{2A4A4A0E-21BB-422D-85F8-C26611A041BF}" type="datetimeFigureOut">
               <a:rPr lang="vi-VN" smtClean="0"/>
-              <a:t>08/05/2021</a:t>
+              <a:t>10/06/2023</a:t>
             </a:fld>
             <a:endParaRPr lang="vi-VN"/>
           </a:p>
@@ -1893,7 +1893,7 @@
           <a:p>
             <a:fld id="{2A4A4A0E-21BB-422D-85F8-C26611A041BF}" type="datetimeFigureOut">
               <a:rPr lang="vi-VN" smtClean="0"/>
-              <a:t>08/05/2021</a:t>
+              <a:t>10/06/2023</a:t>
             </a:fld>
             <a:endParaRPr lang="vi-VN"/>
           </a:p>
@@ -1988,7 +1988,7 @@
           <a:p>
             <a:fld id="{2A4A4A0E-21BB-422D-85F8-C26611A041BF}" type="datetimeFigureOut">
               <a:rPr lang="vi-VN" smtClean="0"/>
-              <a:t>08/05/2021</a:t>
+              <a:t>10/06/2023</a:t>
             </a:fld>
             <a:endParaRPr lang="vi-VN"/>
           </a:p>
@@ -2265,7 +2265,7 @@
           <a:p>
             <a:fld id="{2A4A4A0E-21BB-422D-85F8-C26611A041BF}" type="datetimeFigureOut">
               <a:rPr lang="vi-VN" smtClean="0"/>
-              <a:t>08/05/2021</a:t>
+              <a:t>10/06/2023</a:t>
             </a:fld>
             <a:endParaRPr lang="vi-VN"/>
           </a:p>
@@ -2522,7 +2522,7 @@
           <a:p>
             <a:fld id="{2A4A4A0E-21BB-422D-85F8-C26611A041BF}" type="datetimeFigureOut">
               <a:rPr lang="vi-VN" smtClean="0"/>
-              <a:t>08/05/2021</a:t>
+              <a:t>10/06/2023</a:t>
             </a:fld>
             <a:endParaRPr lang="vi-VN"/>
           </a:p>
@@ -2740,7 +2740,7 @@
           <a:p>
             <a:fld id="{2A4A4A0E-21BB-422D-85F8-C26611A041BF}" type="datetimeFigureOut">
               <a:rPr lang="vi-VN" smtClean="0"/>
-              <a:t>08/05/2021</a:t>
+              <a:t>10/06/2023</a:t>
             </a:fld>
             <a:endParaRPr lang="vi-VN"/>
           </a:p>
@@ -3152,24 +3152,7 @@
                 <a:latin typeface="微軟正黑體" pitchFamily="34" charset="-120"/>
                 <a:ea typeface="微軟正黑體" pitchFamily="34" charset="-120"/>
               </a:rPr>
-              <a:t>這</a:t>
-            </a:r>
-            <a:r>
-              <a:rPr lang="zh-TW" altLang="en-US" sz="7200" b="1" i="1" dirty="0">
-                <a:solidFill>
-                  <a:srgbClr val="660033"/>
-                </a:solidFill>
-                <a:effectLst>
-                  <a:outerShdw blurRad="38100" dist="38100" dir="2700000" algn="tl">
-                    <a:srgbClr val="000000">
-                      <a:alpha val="43137"/>
-                    </a:srgbClr>
-                  </a:outerShdw>
-                </a:effectLst>
-                <a:latin typeface="微軟正黑體" pitchFamily="34" charset="-120"/>
-                <a:ea typeface="微軟正黑體" pitchFamily="34" charset="-120"/>
-              </a:rPr>
-              <a:t>是聖潔之地</a:t>
+              <a:t>這是聖潔之地</a:t>
             </a:r>
           </a:p>
         </p:txBody>
@@ -3271,6 +3254,84 @@
           </a:p>
         </p:txBody>
       </p:sp>
+      <p:sp>
+        <p:nvSpPr>
+          <p:cNvPr id="3" name="TextBox 2"/>
+          <p:cNvSpPr txBox="1"/>
+          <p:nvPr/>
+        </p:nvSpPr>
+        <p:spPr>
+          <a:xfrm>
+            <a:off x="1" y="5131429"/>
+            <a:ext cx="12191999" cy="707886"/>
+          </a:xfrm>
+          <a:prstGeom prst="rect">
+            <a:avLst/>
+          </a:prstGeom>
+          <a:noFill/>
+        </p:spPr>
+        <p:txBody>
+          <a:bodyPr wrap="square" rtlCol="0">
+            <a:spAutoFit/>
+          </a:bodyPr>
+          <a:lstStyle/>
+          <a:p>
+            <a:pPr algn="ctr"/>
+            <a:r>
+              <a:rPr lang="en-US" sz="4000" b="1" dirty="0">
+                <a:solidFill>
+                  <a:srgbClr val="660033"/>
+                </a:solidFill>
+                <a:effectLst/>
+                <a:latin typeface="Microsoft JhengHei" panose="020B0604030504040204" pitchFamily="34" charset="-120"/>
+                <a:ea typeface="Microsoft JhengHei" panose="020B0604030504040204" pitchFamily="34" charset="-120"/>
+              </a:rPr>
+              <a:t>( </a:t>
+            </a:r>
+            <a:r>
+              <a:rPr lang="zh-CN" altLang="en-US" sz="4000" b="1" dirty="0" smtClean="0">
+                <a:solidFill>
+                  <a:srgbClr val="660033"/>
+                </a:solidFill>
+                <a:effectLst/>
+                <a:latin typeface="Microsoft JhengHei" panose="020B0604030504040204" pitchFamily="34" charset="-120"/>
+                <a:ea typeface="Microsoft JhengHei" panose="020B0604030504040204" pitchFamily="34" charset="-120"/>
+              </a:rPr>
+              <a:t>正</a:t>
+            </a:r>
+            <a:r>
+              <a:rPr lang="en-US" sz="4000" b="1" dirty="0" smtClean="0">
+                <a:solidFill>
+                  <a:srgbClr val="660033"/>
+                </a:solidFill>
+                <a:effectLst/>
+                <a:latin typeface="Microsoft JhengHei" panose="020B0604030504040204" pitchFamily="34" charset="-120"/>
+                <a:ea typeface="Microsoft JhengHei" panose="020B0604030504040204" pitchFamily="34" charset="-120"/>
+              </a:rPr>
+              <a:t> </a:t>
+            </a:r>
+            <a:r>
+              <a:rPr lang="en-US" sz="4000" b="1" dirty="0">
+                <a:solidFill>
+                  <a:srgbClr val="660033"/>
+                </a:solidFill>
+                <a:effectLst/>
+                <a:latin typeface="Microsoft JhengHei" panose="020B0604030504040204" pitchFamily="34" charset="-120"/>
+                <a:ea typeface="Microsoft JhengHei" panose="020B0604030504040204" pitchFamily="34" charset="-120"/>
+              </a:rPr>
+              <a:t>)</a:t>
+            </a:r>
+            <a:endParaRPr lang="vi-VN" sz="4000" b="1" dirty="0">
+              <a:solidFill>
+                <a:srgbClr val="660033"/>
+              </a:solidFill>
+              <a:effectLst/>
+              <a:latin typeface="Microsoft JhengHei" panose="020B0604030504040204" pitchFamily="34" charset="-120"/>
+              <a:ea typeface="Microsoft JhengHei" panose="020B0604030504040204" pitchFamily="34" charset="-120"/>
+            </a:endParaRPr>
+          </a:p>
+        </p:txBody>
+      </p:sp>
     </p:spTree>
     <p:extLst>
       <p:ext uri="{BB962C8B-B14F-4D97-AF65-F5344CB8AC3E}">
@@ -3367,6 +3428,84 @@
           </a:p>
         </p:txBody>
       </p:sp>
+      <p:sp>
+        <p:nvSpPr>
+          <p:cNvPr id="3" name="TextBox 2"/>
+          <p:cNvSpPr txBox="1"/>
+          <p:nvPr/>
+        </p:nvSpPr>
+        <p:spPr>
+          <a:xfrm>
+            <a:off x="1" y="5131429"/>
+            <a:ext cx="12191999" cy="707886"/>
+          </a:xfrm>
+          <a:prstGeom prst="rect">
+            <a:avLst/>
+          </a:prstGeom>
+          <a:noFill/>
+        </p:spPr>
+        <p:txBody>
+          <a:bodyPr wrap="square" rtlCol="0">
+            <a:spAutoFit/>
+          </a:bodyPr>
+          <a:lstStyle/>
+          <a:p>
+            <a:pPr algn="ctr"/>
+            <a:r>
+              <a:rPr lang="en-US" sz="4000" b="1" dirty="0">
+                <a:solidFill>
+                  <a:srgbClr val="660033"/>
+                </a:solidFill>
+                <a:effectLst/>
+                <a:latin typeface="Microsoft JhengHei" panose="020B0604030504040204" pitchFamily="34" charset="-120"/>
+                <a:ea typeface="Microsoft JhengHei" panose="020B0604030504040204" pitchFamily="34" charset="-120"/>
+              </a:rPr>
+              <a:t>( </a:t>
+            </a:r>
+            <a:r>
+              <a:rPr lang="zh-CN" altLang="en-US" sz="4000" b="1" dirty="0" smtClean="0">
+                <a:solidFill>
+                  <a:srgbClr val="660033"/>
+                </a:solidFill>
+                <a:effectLst/>
+                <a:latin typeface="Microsoft JhengHei" panose="020B0604030504040204" pitchFamily="34" charset="-120"/>
+                <a:ea typeface="Microsoft JhengHei" panose="020B0604030504040204" pitchFamily="34" charset="-120"/>
+              </a:rPr>
+              <a:t>正</a:t>
+            </a:r>
+            <a:r>
+              <a:rPr lang="en-US" sz="4000" b="1" dirty="0" smtClean="0">
+                <a:solidFill>
+                  <a:srgbClr val="660033"/>
+                </a:solidFill>
+                <a:effectLst/>
+                <a:latin typeface="Microsoft JhengHei" panose="020B0604030504040204" pitchFamily="34" charset="-120"/>
+                <a:ea typeface="Microsoft JhengHei" panose="020B0604030504040204" pitchFamily="34" charset="-120"/>
+              </a:rPr>
+              <a:t> </a:t>
+            </a:r>
+            <a:r>
+              <a:rPr lang="en-US" sz="4000" b="1" dirty="0">
+                <a:solidFill>
+                  <a:srgbClr val="660033"/>
+                </a:solidFill>
+                <a:effectLst/>
+                <a:latin typeface="Microsoft JhengHei" panose="020B0604030504040204" pitchFamily="34" charset="-120"/>
+                <a:ea typeface="Microsoft JhengHei" panose="020B0604030504040204" pitchFamily="34" charset="-120"/>
+              </a:rPr>
+              <a:t>)</a:t>
+            </a:r>
+            <a:endParaRPr lang="vi-VN" sz="4000" b="1" dirty="0">
+              <a:solidFill>
+                <a:srgbClr val="660033"/>
+              </a:solidFill>
+              <a:effectLst/>
+              <a:latin typeface="Microsoft JhengHei" panose="020B0604030504040204" pitchFamily="34" charset="-120"/>
+              <a:ea typeface="Microsoft JhengHei" panose="020B0604030504040204" pitchFamily="34" charset="-120"/>
+            </a:endParaRPr>
+          </a:p>
+        </p:txBody>
+      </p:sp>
     </p:spTree>
     <p:extLst>
       <p:ext uri="{BB962C8B-B14F-4D97-AF65-F5344CB8AC3E}">
@@ -3430,17 +3569,37 @@
                 <a:latin typeface="Microsoft JhengHei" panose="020B0604030504040204" pitchFamily="34" charset="-120"/>
                 <a:ea typeface="Microsoft JhengHei" panose="020B0604030504040204" pitchFamily="34" charset="-120"/>
               </a:rPr>
-              <a:t>我全心來敬拜</a:t>
-            </a:r>
-            <a:r>
-              <a:rPr lang="zh-CN" altLang="en-US" sz="6400" b="1" dirty="0">
-                <a:solidFill>
-                  <a:srgbClr val="660033"/>
-                </a:solidFill>
-                <a:latin typeface="Microsoft JhengHei" panose="020B0604030504040204" pitchFamily="34" charset="-120"/>
-                <a:ea typeface="Microsoft JhengHei" panose="020B0604030504040204" pitchFamily="34" charset="-120"/>
-              </a:rPr>
-              <a:t>袮</a:t>
+              <a:t>我全心來</a:t>
+            </a:r>
+            <a:r>
+              <a:rPr lang="zh-TW" altLang="en-US" sz="6400" b="1" dirty="0">
+                <a:solidFill>
+                  <a:srgbClr val="660033"/>
+                </a:solidFill>
+                <a:latin typeface="Microsoft JhengHei" panose="020B0604030504040204" pitchFamily="34" charset="-120"/>
+                <a:ea typeface="Microsoft JhengHei" panose="020B0604030504040204" pitchFamily="34" charset="-120"/>
+              </a:rPr>
+              <a:t>敬</a:t>
+            </a:r>
+            <a:r>
+              <a:rPr lang="zh-TW" altLang="en-US" sz="6400" b="1" dirty="0">
+                <a:solidFill>
+                  <a:srgbClr val="660033"/>
+                </a:solidFill>
+                <a:latin typeface="Microsoft JhengHei" panose="020B0604030504040204" pitchFamily="34" charset="-120"/>
+                <a:ea typeface="Microsoft JhengHei" panose="020B0604030504040204" pitchFamily="34" charset="-120"/>
+              </a:rPr>
+              <a:t>拜</a:t>
+            </a:r>
+            <a:r>
+              <a:rPr lang="zh-TW" altLang="en-US" sz="6400" b="1" dirty="0">
+                <a:solidFill>
+                  <a:srgbClr val="660033"/>
+                </a:solidFill>
+                <a:latin typeface="Microsoft JhengHei" panose="020B0604030504040204" pitchFamily="34" charset="-120"/>
+                <a:ea typeface="Microsoft JhengHei" panose="020B0604030504040204" pitchFamily="34" charset="-120"/>
+              </a:rPr>
+              <a:t>祢</a:t>
             </a:r>
             <a:r>
               <a:rPr lang="zh-TW" altLang="en-US" sz="6400" b="1" dirty="0">
@@ -3472,17 +3631,7 @@
                 <a:latin typeface="Microsoft JhengHei" panose="020B0604030504040204" pitchFamily="34" charset="-120"/>
                 <a:ea typeface="Microsoft JhengHei" panose="020B0604030504040204" pitchFamily="34" charset="-120"/>
               </a:rPr>
-              <a:t>高舉雙手敬拜</a:t>
-            </a:r>
-            <a:r>
-              <a:rPr lang="zh-CN" altLang="en-US" sz="6400" b="1" dirty="0">
-                <a:solidFill>
-                  <a:srgbClr val="660033"/>
-                </a:solidFill>
-                <a:latin typeface="Microsoft JhengHei" panose="020B0604030504040204" pitchFamily="34" charset="-120"/>
-                <a:ea typeface="Microsoft JhengHei" panose="020B0604030504040204" pitchFamily="34" charset="-120"/>
-              </a:rPr>
-              <a:t>袮</a:t>
+              <a:t>高舉雙手敬</a:t>
             </a:r>
             <a:r>
               <a:rPr lang="zh-TW" altLang="en-US" sz="6400" b="1" dirty="0">
@@ -3492,12 +3641,90 @@
                 <a:latin typeface="Microsoft JhengHei" panose="020B0604030504040204" pitchFamily="34" charset="-120"/>
                 <a:ea typeface="Microsoft JhengHei" panose="020B0604030504040204" pitchFamily="34" charset="-120"/>
               </a:rPr>
-              <a:t>主</a:t>
+              <a:t>拜祢主</a:t>
             </a:r>
             <a:endParaRPr lang="en-US" altLang="zh-TW" sz="6400" b="1" dirty="0">
               <a:solidFill>
                 <a:srgbClr val="660033"/>
               </a:solidFill>
+              <a:latin typeface="Microsoft JhengHei" panose="020B0604030504040204" pitchFamily="34" charset="-120"/>
+              <a:ea typeface="Microsoft JhengHei" panose="020B0604030504040204" pitchFamily="34" charset="-120"/>
+            </a:endParaRPr>
+          </a:p>
+        </p:txBody>
+      </p:sp>
+      <p:sp>
+        <p:nvSpPr>
+          <p:cNvPr id="3" name="TextBox 2"/>
+          <p:cNvSpPr txBox="1"/>
+          <p:nvPr/>
+        </p:nvSpPr>
+        <p:spPr>
+          <a:xfrm>
+            <a:off x="1" y="5131429"/>
+            <a:ext cx="12191999" cy="707886"/>
+          </a:xfrm>
+          <a:prstGeom prst="rect">
+            <a:avLst/>
+          </a:prstGeom>
+          <a:noFill/>
+        </p:spPr>
+        <p:txBody>
+          <a:bodyPr wrap="square" rtlCol="0">
+            <a:spAutoFit/>
+          </a:bodyPr>
+          <a:lstStyle/>
+          <a:p>
+            <a:pPr algn="ctr"/>
+            <a:r>
+              <a:rPr lang="en-US" sz="4000" b="1" dirty="0">
+                <a:solidFill>
+                  <a:srgbClr val="660033"/>
+                </a:solidFill>
+                <a:effectLst/>
+                <a:latin typeface="Microsoft JhengHei" panose="020B0604030504040204" pitchFamily="34" charset="-120"/>
+                <a:ea typeface="Microsoft JhengHei" panose="020B0604030504040204" pitchFamily="34" charset="-120"/>
+              </a:rPr>
+              <a:t>( </a:t>
+            </a:r>
+            <a:r>
+              <a:rPr lang="zh-CN" altLang="en-US" sz="4000" b="1" dirty="0" smtClean="0">
+                <a:solidFill>
+                  <a:srgbClr val="660033"/>
+                </a:solidFill>
+                <a:effectLst/>
+                <a:latin typeface="Microsoft JhengHei" panose="020B0604030504040204" pitchFamily="34" charset="-120"/>
+                <a:ea typeface="Microsoft JhengHei" panose="020B0604030504040204" pitchFamily="34" charset="-120"/>
+              </a:rPr>
+              <a:t>副</a:t>
+            </a:r>
+            <a:r>
+              <a:rPr lang="en-US" sz="4000" b="1" dirty="0" smtClean="0">
+                <a:solidFill>
+                  <a:srgbClr val="660033"/>
+                </a:solidFill>
+                <a:effectLst/>
+                <a:latin typeface="Microsoft JhengHei" panose="020B0604030504040204" pitchFamily="34" charset="-120"/>
+                <a:ea typeface="Microsoft JhengHei" panose="020B0604030504040204" pitchFamily="34" charset="-120"/>
+              </a:rPr>
+              <a:t> </a:t>
+            </a:r>
+            <a:r>
+              <a:rPr lang="en-US" sz="4000" b="1" dirty="0">
+                <a:solidFill>
+                  <a:srgbClr val="660033"/>
+                </a:solidFill>
+                <a:effectLst/>
+                <a:latin typeface="Microsoft JhengHei" panose="020B0604030504040204" pitchFamily="34" charset="-120"/>
+                <a:ea typeface="Microsoft JhengHei" panose="020B0604030504040204" pitchFamily="34" charset="-120"/>
+              </a:rPr>
+              <a:t>)</a:t>
+            </a:r>
+            <a:endParaRPr lang="vi-VN" sz="4000" b="1" dirty="0">
+              <a:solidFill>
+                <a:srgbClr val="660033"/>
+              </a:solidFill>
+              <a:effectLst/>
               <a:latin typeface="Microsoft JhengHei" panose="020B0604030504040204" pitchFamily="34" charset="-120"/>
               <a:ea typeface="Microsoft JhengHei" panose="020B0604030504040204" pitchFamily="34" charset="-120"/>
             </a:endParaRPr>
@@ -3567,17 +3794,7 @@
                 <a:latin typeface="Microsoft JhengHei" panose="020B0604030504040204" pitchFamily="34" charset="-120"/>
                 <a:ea typeface="Microsoft JhengHei" panose="020B0604030504040204" pitchFamily="34" charset="-120"/>
               </a:rPr>
-              <a:t>在</a:t>
-            </a:r>
-            <a:r>
-              <a:rPr lang="zh-CN" altLang="en-US" sz="6400" b="1" dirty="0">
-                <a:solidFill>
-                  <a:srgbClr val="660033"/>
-                </a:solidFill>
-                <a:latin typeface="Microsoft JhengHei" panose="020B0604030504040204" pitchFamily="34" charset="-120"/>
-                <a:ea typeface="Microsoft JhengHei" panose="020B0604030504040204" pitchFamily="34" charset="-120"/>
-              </a:rPr>
-              <a:t>袮</a:t>
+              <a:t>在祢大</a:t>
             </a:r>
             <a:r>
               <a:rPr lang="zh-TW" altLang="en-US" sz="6400" b="1" dirty="0">
@@ -3587,7 +3804,7 @@
                 <a:latin typeface="Microsoft JhengHei" panose="020B0604030504040204" pitchFamily="34" charset="-120"/>
                 <a:ea typeface="Microsoft JhengHei" panose="020B0604030504040204" pitchFamily="34" charset="-120"/>
               </a:rPr>
-              <a:t>大能榮耀光中</a:t>
+              <a:t>能榮耀光中</a:t>
             </a:r>
             <a:endParaRPr lang="en-US" altLang="zh-TW" sz="6400" b="1" dirty="0">
               <a:solidFill>
@@ -3602,6 +3819,16 @@
               <a:buNone/>
             </a:pPr>
             <a:r>
+              <a:rPr lang="zh-TW" altLang="en-US" sz="6400" b="1" dirty="0" smtClean="0">
+                <a:solidFill>
+                  <a:srgbClr val="660033"/>
+                </a:solidFill>
+                <a:latin typeface="Microsoft JhengHei" panose="020B0604030504040204" pitchFamily="34" charset="-120"/>
+                <a:ea typeface="Microsoft JhengHei" panose="020B0604030504040204" pitchFamily="34" charset="-120"/>
+              </a:rPr>
+              <a:t>我俯</a:t>
+            </a:r>
+            <a:r>
               <a:rPr lang="zh-TW" altLang="en-US" sz="6400" b="1" dirty="0">
                 <a:solidFill>
                   <a:srgbClr val="660033"/>
@@ -3609,17 +3836,7 @@
                 <a:latin typeface="Microsoft JhengHei" panose="020B0604030504040204" pitchFamily="34" charset="-120"/>
                 <a:ea typeface="Microsoft JhengHei" panose="020B0604030504040204" pitchFamily="34" charset="-120"/>
               </a:rPr>
-              <a:t>我俯伏在</a:t>
-            </a:r>
-            <a:r>
-              <a:rPr lang="zh-CN" altLang="en-US" sz="6400" b="1" dirty="0">
-                <a:solidFill>
-                  <a:srgbClr val="660033"/>
-                </a:solidFill>
-                <a:latin typeface="Microsoft JhengHei" panose="020B0604030504040204" pitchFamily="34" charset="-120"/>
-                <a:ea typeface="Microsoft JhengHei" panose="020B0604030504040204" pitchFamily="34" charset="-120"/>
-              </a:rPr>
-              <a:t>袮</a:t>
+              <a:t>伏</a:t>
             </a:r>
             <a:r>
               <a:rPr lang="zh-TW" altLang="en-US" sz="6400" b="1" dirty="0">
@@ -3629,12 +3846,100 @@
                 <a:latin typeface="Microsoft JhengHei" panose="020B0604030504040204" pitchFamily="34" charset="-120"/>
                 <a:ea typeface="Microsoft JhengHei" panose="020B0604030504040204" pitchFamily="34" charset="-120"/>
               </a:rPr>
-              <a:t>寶座前</a:t>
+              <a:t>在祢寶</a:t>
+            </a:r>
+            <a:r>
+              <a:rPr lang="zh-TW" altLang="en-US" sz="6400" b="1" dirty="0">
+                <a:solidFill>
+                  <a:srgbClr val="660033"/>
+                </a:solidFill>
+                <a:latin typeface="Microsoft JhengHei" panose="020B0604030504040204" pitchFamily="34" charset="-120"/>
+                <a:ea typeface="Microsoft JhengHei" panose="020B0604030504040204" pitchFamily="34" charset="-120"/>
+              </a:rPr>
+              <a:t>座前</a:t>
             </a:r>
             <a:endParaRPr lang="vi-VN" sz="6400" b="1" dirty="0">
               <a:solidFill>
                 <a:srgbClr val="660033"/>
               </a:solidFill>
+              <a:latin typeface="Microsoft JhengHei" panose="020B0604030504040204" pitchFamily="34" charset="-120"/>
+              <a:ea typeface="Microsoft JhengHei" panose="020B0604030504040204" pitchFamily="34" charset="-120"/>
+            </a:endParaRPr>
+          </a:p>
+        </p:txBody>
+      </p:sp>
+      <p:sp>
+        <p:nvSpPr>
+          <p:cNvPr id="3" name="TextBox 2"/>
+          <p:cNvSpPr txBox="1"/>
+          <p:nvPr/>
+        </p:nvSpPr>
+        <p:spPr>
+          <a:xfrm>
+            <a:off x="1" y="5131429"/>
+            <a:ext cx="12191999" cy="707886"/>
+          </a:xfrm>
+          <a:prstGeom prst="rect">
+            <a:avLst/>
+          </a:prstGeom>
+          <a:noFill/>
+        </p:spPr>
+        <p:txBody>
+          <a:bodyPr wrap="square" rtlCol="0">
+            <a:spAutoFit/>
+          </a:bodyPr>
+          <a:lstStyle/>
+          <a:p>
+            <a:pPr algn="ctr"/>
+            <a:r>
+              <a:rPr lang="en-US" sz="4000" b="1" dirty="0">
+                <a:solidFill>
+                  <a:srgbClr val="660033"/>
+                </a:solidFill>
+                <a:effectLst/>
+                <a:latin typeface="Microsoft JhengHei" panose="020B0604030504040204" pitchFamily="34" charset="-120"/>
+                <a:ea typeface="Microsoft JhengHei" panose="020B0604030504040204" pitchFamily="34" charset="-120"/>
+              </a:rPr>
+              <a:t>( </a:t>
+            </a:r>
+            <a:r>
+              <a:rPr lang="zh-CN" altLang="en-US" sz="4000" b="1" dirty="0" smtClean="0">
+                <a:solidFill>
+                  <a:srgbClr val="660033"/>
+                </a:solidFill>
+                <a:effectLst/>
+                <a:latin typeface="Microsoft JhengHei" panose="020B0604030504040204" pitchFamily="34" charset="-120"/>
+                <a:ea typeface="Microsoft JhengHei" panose="020B0604030504040204" pitchFamily="34" charset="-120"/>
+              </a:rPr>
+              <a:t>副</a:t>
+            </a:r>
+            <a:r>
+              <a:rPr lang="en-US" sz="4000" b="1" dirty="0" smtClean="0">
+                <a:solidFill>
+                  <a:srgbClr val="660033"/>
+                </a:solidFill>
+                <a:effectLst/>
+                <a:latin typeface="Microsoft JhengHei" panose="020B0604030504040204" pitchFamily="34" charset="-120"/>
+                <a:ea typeface="Microsoft JhengHei" panose="020B0604030504040204" pitchFamily="34" charset="-120"/>
+              </a:rPr>
+              <a:t> </a:t>
+            </a:r>
+            <a:r>
+              <a:rPr lang="en-US" sz="4000" b="1" dirty="0">
+                <a:solidFill>
+                  <a:srgbClr val="660033"/>
+                </a:solidFill>
+                <a:effectLst/>
+                <a:latin typeface="Microsoft JhengHei" panose="020B0604030504040204" pitchFamily="34" charset="-120"/>
+                <a:ea typeface="Microsoft JhengHei" panose="020B0604030504040204" pitchFamily="34" charset="-120"/>
+              </a:rPr>
+              <a:t>)</a:t>
+            </a:r>
+            <a:endParaRPr lang="vi-VN" sz="4000" b="1" dirty="0">
+              <a:solidFill>
+                <a:srgbClr val="660033"/>
+              </a:solidFill>
+              <a:effectLst/>
               <a:latin typeface="Microsoft JhengHei" panose="020B0604030504040204" pitchFamily="34" charset="-120"/>
               <a:ea typeface="Microsoft JhengHei" panose="020B0604030504040204" pitchFamily="34" charset="-120"/>
             </a:endParaRPr>
@@ -3704,17 +4009,7 @@
                 <a:latin typeface="Microsoft JhengHei" panose="020B0604030504040204" pitchFamily="34" charset="-120"/>
                 <a:ea typeface="Microsoft JhengHei" panose="020B0604030504040204" pitchFamily="34" charset="-120"/>
               </a:rPr>
-              <a:t>我全心來敬拜</a:t>
-            </a:r>
-            <a:r>
-              <a:rPr lang="zh-CN" altLang="en-US" sz="6400" b="1" dirty="0">
-                <a:solidFill>
-                  <a:srgbClr val="660033"/>
-                </a:solidFill>
-                <a:latin typeface="Microsoft JhengHei" panose="020B0604030504040204" pitchFamily="34" charset="-120"/>
-                <a:ea typeface="Microsoft JhengHei" panose="020B0604030504040204" pitchFamily="34" charset="-120"/>
-              </a:rPr>
-              <a:t>袮</a:t>
+              <a:t>我全心來敬</a:t>
             </a:r>
             <a:r>
               <a:rPr lang="zh-TW" altLang="en-US" sz="6400" b="1" dirty="0">
@@ -3724,7 +4019,7 @@
                 <a:latin typeface="Microsoft JhengHei" panose="020B0604030504040204" pitchFamily="34" charset="-120"/>
                 <a:ea typeface="Microsoft JhengHei" panose="020B0604030504040204" pitchFamily="34" charset="-120"/>
               </a:rPr>
-              <a:t>主</a:t>
+              <a:t>拜祢主</a:t>
             </a:r>
             <a:endParaRPr lang="en-US" altLang="zh-TW" sz="6400" b="1" dirty="0">
               <a:solidFill>
@@ -3746,17 +4041,7 @@
                 <a:latin typeface="Microsoft JhengHei" panose="020B0604030504040204" pitchFamily="34" charset="-120"/>
                 <a:ea typeface="Microsoft JhengHei" panose="020B0604030504040204" pitchFamily="34" charset="-120"/>
               </a:rPr>
-              <a:t>高舉雙手敬拜</a:t>
-            </a:r>
-            <a:r>
-              <a:rPr lang="zh-CN" altLang="en-US" sz="6400" b="1" dirty="0">
-                <a:solidFill>
-                  <a:srgbClr val="660033"/>
-                </a:solidFill>
-                <a:latin typeface="Microsoft JhengHei" panose="020B0604030504040204" pitchFamily="34" charset="-120"/>
-                <a:ea typeface="Microsoft JhengHei" panose="020B0604030504040204" pitchFamily="34" charset="-120"/>
-              </a:rPr>
-              <a:t>袮</a:t>
+              <a:t>高舉雙手敬</a:t>
             </a:r>
             <a:r>
               <a:rPr lang="zh-TW" altLang="en-US" sz="6400" b="1" dirty="0">
@@ -3766,12 +4051,90 @@
                 <a:latin typeface="Microsoft JhengHei" panose="020B0604030504040204" pitchFamily="34" charset="-120"/>
                 <a:ea typeface="Microsoft JhengHei" panose="020B0604030504040204" pitchFamily="34" charset="-120"/>
               </a:rPr>
-              <a:t>主</a:t>
+              <a:t>拜祢主</a:t>
             </a:r>
             <a:endParaRPr lang="en-US" altLang="zh-TW" sz="6400" b="1" dirty="0">
               <a:solidFill>
                 <a:srgbClr val="660033"/>
               </a:solidFill>
+              <a:latin typeface="Microsoft JhengHei" panose="020B0604030504040204" pitchFamily="34" charset="-120"/>
+              <a:ea typeface="Microsoft JhengHei" panose="020B0604030504040204" pitchFamily="34" charset="-120"/>
+            </a:endParaRPr>
+          </a:p>
+        </p:txBody>
+      </p:sp>
+      <p:sp>
+        <p:nvSpPr>
+          <p:cNvPr id="3" name="TextBox 2"/>
+          <p:cNvSpPr txBox="1"/>
+          <p:nvPr/>
+        </p:nvSpPr>
+        <p:spPr>
+          <a:xfrm>
+            <a:off x="1" y="5131429"/>
+            <a:ext cx="12191999" cy="707886"/>
+          </a:xfrm>
+          <a:prstGeom prst="rect">
+            <a:avLst/>
+          </a:prstGeom>
+          <a:noFill/>
+        </p:spPr>
+        <p:txBody>
+          <a:bodyPr wrap="square" rtlCol="0">
+            <a:spAutoFit/>
+          </a:bodyPr>
+          <a:lstStyle/>
+          <a:p>
+            <a:pPr algn="ctr"/>
+            <a:r>
+              <a:rPr lang="en-US" sz="4000" b="1" dirty="0">
+                <a:solidFill>
+                  <a:srgbClr val="660033"/>
+                </a:solidFill>
+                <a:effectLst/>
+                <a:latin typeface="Microsoft JhengHei" panose="020B0604030504040204" pitchFamily="34" charset="-120"/>
+                <a:ea typeface="Microsoft JhengHei" panose="020B0604030504040204" pitchFamily="34" charset="-120"/>
+              </a:rPr>
+              <a:t>( </a:t>
+            </a:r>
+            <a:r>
+              <a:rPr lang="zh-CN" altLang="en-US" sz="4000" b="1" dirty="0" smtClean="0">
+                <a:solidFill>
+                  <a:srgbClr val="660033"/>
+                </a:solidFill>
+                <a:effectLst/>
+                <a:latin typeface="Microsoft JhengHei" panose="020B0604030504040204" pitchFamily="34" charset="-120"/>
+                <a:ea typeface="Microsoft JhengHei" panose="020B0604030504040204" pitchFamily="34" charset="-120"/>
+              </a:rPr>
+              <a:t>副</a:t>
+            </a:r>
+            <a:r>
+              <a:rPr lang="en-US" sz="4000" b="1" dirty="0" smtClean="0">
+                <a:solidFill>
+                  <a:srgbClr val="660033"/>
+                </a:solidFill>
+                <a:effectLst/>
+                <a:latin typeface="Microsoft JhengHei" panose="020B0604030504040204" pitchFamily="34" charset="-120"/>
+                <a:ea typeface="Microsoft JhengHei" panose="020B0604030504040204" pitchFamily="34" charset="-120"/>
+              </a:rPr>
+              <a:t> </a:t>
+            </a:r>
+            <a:r>
+              <a:rPr lang="en-US" sz="4000" b="1" dirty="0">
+                <a:solidFill>
+                  <a:srgbClr val="660033"/>
+                </a:solidFill>
+                <a:effectLst/>
+                <a:latin typeface="Microsoft JhengHei" panose="020B0604030504040204" pitchFamily="34" charset="-120"/>
+                <a:ea typeface="Microsoft JhengHei" panose="020B0604030504040204" pitchFamily="34" charset="-120"/>
+              </a:rPr>
+              <a:t>)</a:t>
+            </a:r>
+            <a:endParaRPr lang="vi-VN" sz="4000" b="1" dirty="0">
+              <a:solidFill>
+                <a:srgbClr val="660033"/>
+              </a:solidFill>
+              <a:effectLst/>
               <a:latin typeface="Microsoft JhengHei" panose="020B0604030504040204" pitchFamily="34" charset="-120"/>
               <a:ea typeface="Microsoft JhengHei" panose="020B0604030504040204" pitchFamily="34" charset="-120"/>
             </a:endParaRPr>
@@ -3841,17 +4204,7 @@
                 <a:latin typeface="Microsoft JhengHei" panose="020B0604030504040204" pitchFamily="34" charset="-120"/>
                 <a:ea typeface="Microsoft JhengHei" panose="020B0604030504040204" pitchFamily="34" charset="-120"/>
               </a:rPr>
-              <a:t>在</a:t>
-            </a:r>
-            <a:r>
-              <a:rPr lang="zh-CN" altLang="en-US" sz="6400" b="1" dirty="0">
-                <a:solidFill>
-                  <a:srgbClr val="660033"/>
-                </a:solidFill>
-                <a:latin typeface="Microsoft JhengHei" panose="020B0604030504040204" pitchFamily="34" charset="-120"/>
-                <a:ea typeface="Microsoft JhengHei" panose="020B0604030504040204" pitchFamily="34" charset="-120"/>
-              </a:rPr>
-              <a:t>袮</a:t>
+              <a:t>在祢大</a:t>
             </a:r>
             <a:r>
               <a:rPr lang="zh-TW" altLang="en-US" sz="6400" b="1" dirty="0">
@@ -3861,7 +4214,7 @@
                 <a:latin typeface="Microsoft JhengHei" panose="020B0604030504040204" pitchFamily="34" charset="-120"/>
                 <a:ea typeface="Microsoft JhengHei" panose="020B0604030504040204" pitchFamily="34" charset="-120"/>
               </a:rPr>
-              <a:t>大能榮耀光中</a:t>
+              <a:t>能榮耀光中</a:t>
             </a:r>
             <a:endParaRPr lang="en-US" altLang="zh-TW" sz="6400" b="1" dirty="0">
               <a:solidFill>
@@ -3883,22 +4236,100 @@
                 <a:latin typeface="Microsoft JhengHei" panose="020B0604030504040204" pitchFamily="34" charset="-120"/>
                 <a:ea typeface="Microsoft JhengHei" panose="020B0604030504040204" pitchFamily="34" charset="-120"/>
               </a:rPr>
-              <a:t>我與眾天使俯伏深深敬拜</a:t>
-            </a:r>
-            <a:r>
-              <a:rPr lang="zh-CN" altLang="en-US" sz="6400" b="1" dirty="0">
-                <a:solidFill>
-                  <a:srgbClr val="660033"/>
-                </a:solidFill>
-                <a:latin typeface="Microsoft JhengHei" panose="020B0604030504040204" pitchFamily="34" charset="-120"/>
-                <a:ea typeface="Microsoft JhengHei" panose="020B0604030504040204" pitchFamily="34" charset="-120"/>
-              </a:rPr>
-              <a:t>袮</a:t>
+              <a:t>我與眾天使俯伏深深敬</a:t>
+            </a:r>
+            <a:r>
+              <a:rPr lang="zh-TW" altLang="en-US" sz="6400" b="1" dirty="0">
+                <a:solidFill>
+                  <a:srgbClr val="660033"/>
+                </a:solidFill>
+                <a:latin typeface="Microsoft JhengHei" panose="020B0604030504040204" pitchFamily="34" charset="-120"/>
+                <a:ea typeface="Microsoft JhengHei" panose="020B0604030504040204" pitchFamily="34" charset="-120"/>
+              </a:rPr>
+              <a:t>拜祢</a:t>
             </a:r>
             <a:endParaRPr lang="vi-VN" sz="6400" b="1" dirty="0">
               <a:solidFill>
                 <a:srgbClr val="660033"/>
               </a:solidFill>
+              <a:latin typeface="Microsoft JhengHei" panose="020B0604030504040204" pitchFamily="34" charset="-120"/>
+              <a:ea typeface="Microsoft JhengHei" panose="020B0604030504040204" pitchFamily="34" charset="-120"/>
+            </a:endParaRPr>
+          </a:p>
+        </p:txBody>
+      </p:sp>
+      <p:sp>
+        <p:nvSpPr>
+          <p:cNvPr id="3" name="TextBox 2"/>
+          <p:cNvSpPr txBox="1"/>
+          <p:nvPr/>
+        </p:nvSpPr>
+        <p:spPr>
+          <a:xfrm>
+            <a:off x="1" y="5131429"/>
+            <a:ext cx="12191999" cy="707886"/>
+          </a:xfrm>
+          <a:prstGeom prst="rect">
+            <a:avLst/>
+          </a:prstGeom>
+          <a:noFill/>
+        </p:spPr>
+        <p:txBody>
+          <a:bodyPr wrap="square" rtlCol="0">
+            <a:spAutoFit/>
+          </a:bodyPr>
+          <a:lstStyle/>
+          <a:p>
+            <a:pPr algn="ctr"/>
+            <a:r>
+              <a:rPr lang="en-US" sz="4000" b="1" dirty="0">
+                <a:solidFill>
+                  <a:srgbClr val="660033"/>
+                </a:solidFill>
+                <a:effectLst/>
+                <a:latin typeface="Microsoft JhengHei" panose="020B0604030504040204" pitchFamily="34" charset="-120"/>
+                <a:ea typeface="Microsoft JhengHei" panose="020B0604030504040204" pitchFamily="34" charset="-120"/>
+              </a:rPr>
+              <a:t>( </a:t>
+            </a:r>
+            <a:r>
+              <a:rPr lang="zh-CN" altLang="en-US" sz="4000" b="1" dirty="0" smtClean="0">
+                <a:solidFill>
+                  <a:srgbClr val="660033"/>
+                </a:solidFill>
+                <a:effectLst/>
+                <a:latin typeface="Microsoft JhengHei" panose="020B0604030504040204" pitchFamily="34" charset="-120"/>
+                <a:ea typeface="Microsoft JhengHei" panose="020B0604030504040204" pitchFamily="34" charset="-120"/>
+              </a:rPr>
+              <a:t>副</a:t>
+            </a:r>
+            <a:r>
+              <a:rPr lang="en-US" sz="4000" b="1" dirty="0" smtClean="0">
+                <a:solidFill>
+                  <a:srgbClr val="660033"/>
+                </a:solidFill>
+                <a:effectLst/>
+                <a:latin typeface="Microsoft JhengHei" panose="020B0604030504040204" pitchFamily="34" charset="-120"/>
+                <a:ea typeface="Microsoft JhengHei" panose="020B0604030504040204" pitchFamily="34" charset="-120"/>
+              </a:rPr>
+              <a:t> </a:t>
+            </a:r>
+            <a:r>
+              <a:rPr lang="en-US" sz="4000" b="1" dirty="0">
+                <a:solidFill>
+                  <a:srgbClr val="660033"/>
+                </a:solidFill>
+                <a:effectLst/>
+                <a:latin typeface="Microsoft JhengHei" panose="020B0604030504040204" pitchFamily="34" charset="-120"/>
+                <a:ea typeface="Microsoft JhengHei" panose="020B0604030504040204" pitchFamily="34" charset="-120"/>
+              </a:rPr>
+              <a:t>)</a:t>
+            </a:r>
+            <a:endParaRPr lang="vi-VN" sz="4000" b="1" dirty="0">
+              <a:solidFill>
+                <a:srgbClr val="660033"/>
+              </a:solidFill>
+              <a:effectLst/>
               <a:latin typeface="Microsoft JhengHei" panose="020B0604030504040204" pitchFamily="34" charset="-120"/>
               <a:ea typeface="Microsoft JhengHei" panose="020B0604030504040204" pitchFamily="34" charset="-120"/>
             </a:endParaRPr>
